--- a/presentation DBM1.pptx
+++ b/presentation DBM1.pptx
@@ -315,6 +315,11 @@
       </a:defRPr>
     </a:lvl9pPr>
   </p:defaultTextStyle>
+  <p:extLst>
+    <p:ext uri="{EFAFB233-063F-42B5-8137-9DF3F51BA10A}">
+      <p15:sldGuideLst xmlns:p15="http://schemas.microsoft.com/office/powerpoint/2012/main"/>
+    </p:ext>
+  </p:extLst>
 </p:presentation>
 </file>
 
@@ -856,7 +861,7 @@
           <a:lstStyle/>
           <a:p>
             <a:fld id="{86CB4B4D-7CA3-9044-876B-883B54F8677D}" type="slidenum">
-              <a:t>‹Nr.›</a:t>
+              <a:t>‹#›</a:t>
             </a:fld>
             <a:endParaRPr/>
           </a:p>
@@ -991,7 +996,7 @@
           <a:lstStyle/>
           <a:p>
             <a:fld id="{86CB4B4D-7CA3-9044-876B-883B54F8677D}" type="slidenum">
-              <a:t>‹Nr.›</a:t>
+              <a:t>‹#›</a:t>
             </a:fld>
             <a:endParaRPr/>
           </a:p>
@@ -1072,7 +1077,7 @@
           <a:lstStyle/>
           <a:p>
             <a:fld id="{86CB4B4D-7CA3-9044-876B-883B54F8677D}" type="slidenum">
-              <a:t>‹Nr.›</a:t>
+              <a:t>‹#›</a:t>
             </a:fld>
             <a:endParaRPr/>
           </a:p>
@@ -1124,7 +1129,7 @@
           <a:lstStyle/>
           <a:p>
             <a:fld id="{86CB4B4D-7CA3-9044-876B-883B54F8677D}" type="slidenum">
-              <a:t>‹Nr.›</a:t>
+              <a:t>‹#›</a:t>
             </a:fld>
             <a:endParaRPr/>
           </a:p>
@@ -1556,7 +1561,7 @@
           <a:lstStyle/>
           <a:p>
             <a:fld id="{86CB4B4D-7CA3-9044-876B-883B54F8677D}" type="slidenum">
-              <a:t>‹Nr.›</a:t>
+              <a:t>‹#›</a:t>
             </a:fld>
             <a:endParaRPr/>
           </a:p>
@@ -1637,7 +1642,7 @@
           <a:lstStyle/>
           <a:p>
             <a:fld id="{86CB4B4D-7CA3-9044-876B-883B54F8677D}" type="slidenum">
-              <a:t>‹Nr.›</a:t>
+              <a:t>‹#›</a:t>
             </a:fld>
             <a:endParaRPr/>
           </a:p>
@@ -1987,7 +1992,7 @@
           <a:lstStyle/>
           <a:p>
             <a:fld id="{86CB4B4D-7CA3-9044-876B-883B54F8677D}" type="slidenum">
-              <a:t>‹Nr.›</a:t>
+              <a:t>‹#›</a:t>
             </a:fld>
             <a:endParaRPr/>
           </a:p>
@@ -2064,7 +2069,7 @@
           <a:lstStyle/>
           <a:p>
             <a:fld id="{86CB4B4D-7CA3-9044-876B-883B54F8677D}" type="slidenum">
-              <a:t>‹Nr.›</a:t>
+              <a:t>‹#›</a:t>
             </a:fld>
             <a:endParaRPr/>
           </a:p>
@@ -4650,7 +4655,7 @@
           <a:lstStyle/>
           <a:p>
             <a:fld id="{86CB4B4D-7CA3-9044-876B-883B54F8677D}" type="slidenum">
-              <a:t>‹Nr.›</a:t>
+              <a:t>‹#›</a:t>
             </a:fld>
             <a:endParaRPr/>
           </a:p>
@@ -4798,7 +4803,7 @@
           <a:lstStyle/>
           <a:p>
             <a:fld id="{86CB4B4D-7CA3-9044-876B-883B54F8677D}" type="slidenum">
-              <a:t>‹Nr.›</a:t>
+              <a:t>‹#›</a:t>
             </a:fld>
             <a:endParaRPr/>
           </a:p>
@@ -4949,7 +4954,7 @@
           </a:ln>
           <a:extLst>
             <a:ext uri="{C572A759-6A51-4108-AA02-DFA0A04FC94B}">
-              <ma14:wrappingTextBoxFlag xmlns:ma14="http://schemas.microsoft.com/office/mac/drawingml/2011/main" xmlns:a14="http://schemas.microsoft.com/office/drawing/2010/main" xmlns:m="http://schemas.openxmlformats.org/officeDocument/2006/math" xmlns="" val="1"/>
+              <ma14:wrappingTextBoxFlag xmlns="" xmlns:m="http://schemas.openxmlformats.org/officeDocument/2006/math" xmlns:a14="http://schemas.microsoft.com/office/drawing/2010/main" xmlns:ma14="http://schemas.microsoft.com/office/mac/drawingml/2011/main" val="1"/>
             </a:ext>
           </a:extLst>
         </p:spPr>
@@ -4988,7 +4993,7 @@
           </a:ln>
           <a:extLst>
             <a:ext uri="{C572A759-6A51-4108-AA02-DFA0A04FC94B}">
-              <ma14:wrappingTextBoxFlag xmlns:ma14="http://schemas.microsoft.com/office/mac/drawingml/2011/main" xmlns:a14="http://schemas.microsoft.com/office/drawing/2010/main" xmlns:m="http://schemas.openxmlformats.org/officeDocument/2006/math" xmlns="" val="1"/>
+              <ma14:wrappingTextBoxFlag xmlns="" xmlns:m="http://schemas.openxmlformats.org/officeDocument/2006/math" xmlns:a14="http://schemas.microsoft.com/office/drawing/2010/main" xmlns:ma14="http://schemas.microsoft.com/office/mac/drawingml/2011/main" val="1"/>
             </a:ext>
           </a:extLst>
         </p:spPr>
@@ -5065,7 +5070,7 @@
           </a:lstStyle>
           <a:p>
             <a:fld id="{86CB4B4D-7CA3-9044-876B-883B54F8677D}" type="slidenum">
-              <a:t>‹Nr.›</a:t>
+              <a:t>‹#›</a:t>
             </a:fld>
             <a:endParaRPr/>
           </a:p>
@@ -5849,8 +5854,8 @@
         </p:nvSpPr>
         <p:spPr>
           <a:xfrm>
-            <a:off x="952500" y="8572499"/>
-            <a:ext cx="13500100" cy="711201"/>
+            <a:off x="952500" y="8586820"/>
+            <a:ext cx="13500100" cy="682559"/>
           </a:xfrm>
           <a:prstGeom prst="rect">
             <a:avLst/>
@@ -5865,7 +5870,20 @@
           </a:lstStyle>
           <a:p>
             <a:r>
-              <a:t>IST Databases and Datamining </a:t>
+              <a:rPr dirty="0"/>
+              <a:t>IST Databases and Data</a:t>
+            </a:r>
+            <a:r>
+              <a:rPr lang="en-IE" dirty="0"/>
+              <a:t> M</a:t>
+            </a:r>
+            <a:r>
+              <a:rPr dirty="0" err="1"/>
+              <a:t>ining</a:t>
+            </a:r>
+            <a:r>
+              <a:rPr dirty="0"/>
+              <a:t> </a:t>
             </a:r>
           </a:p>
         </p:txBody>
@@ -6016,9 +6034,14 @@
           <a:lstStyle/>
           <a:p>
             <a:r>
-              <a:rPr dirty="0"/>
-              <a:t>general presentation</a:t>
-            </a:r>
+              <a:rPr lang="en-IE" dirty="0"/>
+              <a:t>General P</a:t>
+            </a:r>
+            <a:r>
+              <a:rPr dirty="0" err="1"/>
+              <a:t>resentation</a:t>
+            </a:r>
+            <a:endParaRPr dirty="0"/>
           </a:p>
         </p:txBody>
       </p:sp>
@@ -6043,39 +6066,15 @@
           <a:p>
             <a:r>
               <a:rPr lang="de-DE" dirty="0"/>
-              <a:t>Formular </a:t>
-            </a:r>
-            <a:r>
-              <a:rPr lang="de-DE" dirty="0" err="1"/>
+              <a:t>Formula </a:t>
+            </a:r>
+            <a:r>
+              <a:rPr lang="en-IE" dirty="0"/>
               <a:t>one</a:t>
             </a:r>
             <a:r>
               <a:rPr lang="de-DE" dirty="0"/>
-              <a:t> </a:t>
-            </a:r>
-            <a:r>
-              <a:rPr lang="de-DE" dirty="0" err="1"/>
-              <a:t>race</a:t>
-            </a:r>
-            <a:r>
-              <a:rPr lang="de-DE" dirty="0"/>
-              <a:t> </a:t>
-            </a:r>
-            <a:r>
-              <a:rPr lang="de-DE" dirty="0" err="1"/>
-              <a:t>data</a:t>
-            </a:r>
-            <a:r>
-              <a:rPr lang="de-DE" dirty="0"/>
-              <a:t> </a:t>
-            </a:r>
-            <a:r>
-              <a:rPr lang="de-DE" dirty="0" err="1"/>
-              <a:t>from</a:t>
-            </a:r>
-            <a:r>
-              <a:rPr lang="de-DE" dirty="0"/>
-              <a:t> 1950 – 2022</a:t>
+              <a:t> race data from 1950 – 2022</a:t>
             </a:r>
           </a:p>
           <a:p>
@@ -6639,7 +6638,7 @@
             </p:nvSpPr>
             <p:spPr>
               <a:xfrm>
-                <a:off x="1631534" y="8273627"/>
+                <a:off x="1958105" y="9083524"/>
                 <a:ext cx="20617439" cy="2950423"/>
               </a:xfrm>
               <a:prstGeom prst="rect">
@@ -7719,7 +7718,7 @@
             </p:nvSpPr>
             <p:spPr>
               <a:xfrm>
-                <a:off x="1631534" y="8273627"/>
+                <a:off x="1958105" y="9083524"/>
                 <a:ext cx="20617439" cy="2950423"/>
               </a:xfrm>
               <a:prstGeom prst="rect">
@@ -7728,7 +7727,7 @@
               <a:blipFill>
                 <a:blip r:embed="rId2"/>
                 <a:stretch>
-                  <a:fillRect l="-431" b="-5579"/>
+                  <a:fillRect/>
                 </a:stretch>
               </a:blipFill>
               <a:ln w="12700" cap="flat">
@@ -7742,7 +7741,7 @@
               <a:lstStyle/>
               <a:p>
                 <a:r>
-                  <a:rPr lang="de-DE">
+                  <a:rPr lang="en-IE">
                     <a:noFill/>
                   </a:rPr>
                   <a:t> </a:t>
@@ -7752,42 +7751,6 @@
           </p:sp>
         </mc:Fallback>
       </mc:AlternateContent>
-      <p:pic>
-        <p:nvPicPr>
-          <p:cNvPr id="16" name="Grafik 15">
-            <a:extLst>
-              <a:ext uri="{FF2B5EF4-FFF2-40B4-BE49-F238E27FC236}">
-                <a16:creationId xmlns:a16="http://schemas.microsoft.com/office/drawing/2014/main" id="{2CD0C789-AC05-81B8-83CA-F0D4D9004251}"/>
-              </a:ext>
-            </a:extLst>
-          </p:cNvPr>
-          <p:cNvPicPr>
-            <a:picLocks noChangeAspect="1"/>
-          </p:cNvPicPr>
-          <p:nvPr/>
-        </p:nvPicPr>
-        <p:blipFill>
-          <a:blip r:embed="rId3">
-            <a:extLst>
-              <a:ext uri="{28A0092B-C50C-407E-A947-70E740481C1C}">
-                <a14:useLocalDpi xmlns:a14="http://schemas.microsoft.com/office/drawing/2010/main" val="0"/>
-              </a:ext>
-            </a:extLst>
-          </a:blip>
-          <a:stretch>
-            <a:fillRect/>
-          </a:stretch>
-        </p:blipFill>
-        <p:spPr>
-          <a:xfrm>
-            <a:off x="1631534" y="4879762"/>
-            <a:ext cx="15342016" cy="3068403"/>
-          </a:xfrm>
-          <a:prstGeom prst="rect">
-            <a:avLst/>
-          </a:prstGeom>
-        </p:spPr>
-      </p:pic>
       <p:sp>
         <p:nvSpPr>
           <p:cNvPr id="17" name="Textplatzhalter 3">
@@ -7910,6 +7873,404 @@
               </a:rPr>
               <a:t> 500m</a:t>
             </a:r>
+          </a:p>
+        </p:txBody>
+      </p:sp>
+      <p:sp>
+        <p:nvSpPr>
+          <p:cNvPr id="2" name="TextBox 1">
+            <a:extLst>
+              <a:ext uri="{FF2B5EF4-FFF2-40B4-BE49-F238E27FC236}">
+                <a16:creationId xmlns:a16="http://schemas.microsoft.com/office/drawing/2014/main" id="{E8DB10C2-7FF1-4A16-B5ED-552968FDB838}"/>
+              </a:ext>
+            </a:extLst>
+          </p:cNvPr>
+          <p:cNvSpPr txBox="1"/>
+          <p:nvPr/>
+        </p:nvSpPr>
+        <p:spPr>
+          <a:xfrm>
+            <a:off x="1958105" y="4685086"/>
+            <a:ext cx="17087540" cy="4042132"/>
+          </a:xfrm>
+          <a:prstGeom prst="rect">
+            <a:avLst/>
+          </a:prstGeom>
+          <a:noFill/>
+          <a:ln w="12700" cap="flat">
+            <a:noFill/>
+            <a:miter lim="400000"/>
+          </a:ln>
+          <a:effectLst/>
+          <a:sp3d/>
+        </p:spPr>
+        <p:style>
+          <a:lnRef idx="0">
+            <a:scrgbClr r="0" g="0" b="0"/>
+          </a:lnRef>
+          <a:fillRef idx="0">
+            <a:scrgbClr r="0" g="0" b="0"/>
+          </a:fillRef>
+          <a:effectRef idx="0">
+            <a:scrgbClr r="0" g="0" b="0"/>
+          </a:effectRef>
+          <a:fontRef idx="none"/>
+        </p:style>
+        <p:txBody>
+          <a:bodyPr rot="0" spcFirstLastPara="1" vertOverflow="overflow" horzOverflow="overflow" vert="horz" wrap="square" lIns="50800" tIns="50800" rIns="50800" bIns="50800" numCol="1" spcCol="38100" rtlCol="0" anchor="ctr">
+            <a:spAutoFit/>
+          </a:bodyPr>
+          <a:lstStyle/>
+          <a:p>
+            <a:pPr marL="0" marR="0" indent="0" algn="l" defTabSz="825500" rtl="0" fontAlgn="auto" latinLnBrk="0" hangingPunct="0">
+              <a:lnSpc>
+                <a:spcPct val="100000"/>
+              </a:lnSpc>
+              <a:spcBef>
+                <a:spcPts val="0"/>
+              </a:spcBef>
+              <a:spcAft>
+                <a:spcPts val="0"/>
+              </a:spcAft>
+              <a:buClrTx/>
+              <a:buSzTx/>
+              <a:buFontTx/>
+              <a:buNone/>
+              <a:tabLst/>
+            </a:pPr>
+            <a:r>
+              <a:rPr lang="en-IE" dirty="0">
+                <a:latin typeface="Consolas" panose="020B0609020204030204" pitchFamily="49" charset="0"/>
+              </a:rPr>
+              <a:t>SELECT </a:t>
+            </a:r>
+            <a:r>
+              <a:rPr lang="en-IE" dirty="0" err="1">
+                <a:latin typeface="Consolas" panose="020B0609020204030204" pitchFamily="49" charset="0"/>
+              </a:rPr>
+              <a:t>races.season</a:t>
+            </a:r>
+            <a:r>
+              <a:rPr lang="en-IE" dirty="0">
+                <a:latin typeface="Consolas" panose="020B0609020204030204" pitchFamily="49" charset="0"/>
+              </a:rPr>
+              <a:t>, COUNT(*) FROM races</a:t>
+            </a:r>
+          </a:p>
+          <a:p>
+            <a:pPr marL="0" marR="0" indent="0" algn="l" defTabSz="825500" rtl="0" fontAlgn="auto" latinLnBrk="0" hangingPunct="0">
+              <a:lnSpc>
+                <a:spcPct val="100000"/>
+              </a:lnSpc>
+              <a:spcBef>
+                <a:spcPts val="0"/>
+              </a:spcBef>
+              <a:spcAft>
+                <a:spcPts val="0"/>
+              </a:spcAft>
+              <a:buClrTx/>
+              <a:buSzTx/>
+              <a:buFontTx/>
+              <a:buNone/>
+              <a:tabLst/>
+            </a:pPr>
+            <a:r>
+              <a:rPr kumimoji="0" lang="en-IE" sz="3200" b="0" i="0" u="none" strike="noStrike" cap="none" spc="0" normalizeH="0" baseline="0" dirty="0">
+                <a:ln>
+                  <a:noFill/>
+                </a:ln>
+                <a:solidFill>
+                  <a:srgbClr val="414141"/>
+                </a:solidFill>
+                <a:effectLst/>
+                <a:uFillTx/>
+                <a:latin typeface="Consolas" panose="020B0609020204030204" pitchFamily="49" charset="0"/>
+                <a:sym typeface="Palatino"/>
+              </a:rPr>
+              <a:t>INNER JOIN circuits</a:t>
+            </a:r>
+          </a:p>
+          <a:p>
+            <a:pPr marL="0" marR="0" indent="0" algn="l" defTabSz="825500" rtl="0" fontAlgn="auto" latinLnBrk="0" hangingPunct="0">
+              <a:lnSpc>
+                <a:spcPct val="100000"/>
+              </a:lnSpc>
+              <a:spcBef>
+                <a:spcPts val="0"/>
+              </a:spcBef>
+              <a:spcAft>
+                <a:spcPts val="0"/>
+              </a:spcAft>
+              <a:buClrTx/>
+              <a:buSzTx/>
+              <a:buFontTx/>
+              <a:buNone/>
+              <a:tabLst/>
+            </a:pPr>
+            <a:r>
+              <a:rPr lang="en-IE" dirty="0">
+                <a:latin typeface="Consolas" panose="020B0609020204030204" pitchFamily="49" charset="0"/>
+              </a:rPr>
+              <a:t>	ON </a:t>
+            </a:r>
+            <a:r>
+              <a:rPr lang="en-IE" dirty="0" err="1">
+                <a:latin typeface="Consolas" panose="020B0609020204030204" pitchFamily="49" charset="0"/>
+              </a:rPr>
+              <a:t>races.circuitID</a:t>
+            </a:r>
+            <a:r>
+              <a:rPr lang="en-IE" dirty="0">
+                <a:latin typeface="Consolas" panose="020B0609020204030204" pitchFamily="49" charset="0"/>
+              </a:rPr>
+              <a:t> = circuits.ID</a:t>
+            </a:r>
+          </a:p>
+          <a:p>
+            <a:pPr marL="0" marR="0" indent="0" algn="l" defTabSz="825500" rtl="0" fontAlgn="auto" latinLnBrk="0" hangingPunct="0">
+              <a:lnSpc>
+                <a:spcPct val="100000"/>
+              </a:lnSpc>
+              <a:spcBef>
+                <a:spcPts val="0"/>
+              </a:spcBef>
+              <a:spcAft>
+                <a:spcPts val="0"/>
+              </a:spcAft>
+              <a:buClrTx/>
+              <a:buSzTx/>
+              <a:buFontTx/>
+              <a:buNone/>
+              <a:tabLst/>
+            </a:pPr>
+            <a:r>
+              <a:rPr kumimoji="0" lang="en-IE" sz="3200" b="0" i="0" u="none" strike="noStrike" cap="none" spc="0" normalizeH="0" baseline="0" dirty="0">
+                <a:ln>
+                  <a:noFill/>
+                </a:ln>
+                <a:solidFill>
+                  <a:srgbClr val="414141"/>
+                </a:solidFill>
+                <a:effectLst/>
+                <a:uFillTx/>
+                <a:latin typeface="Consolas" panose="020B0609020204030204" pitchFamily="49" charset="0"/>
+                <a:sym typeface="Palatino"/>
+              </a:rPr>
+              <a:t>INNER JOIN resul</a:t>
+            </a:r>
+            <a:r>
+              <a:rPr lang="en-IE" dirty="0">
+                <a:latin typeface="Consolas" panose="020B0609020204030204" pitchFamily="49" charset="0"/>
+              </a:rPr>
+              <a:t>ts </a:t>
+            </a:r>
+          </a:p>
+          <a:p>
+            <a:pPr marL="0" marR="0" indent="0" algn="l" defTabSz="825500" rtl="0" fontAlgn="auto" latinLnBrk="0" hangingPunct="0">
+              <a:lnSpc>
+                <a:spcPct val="100000"/>
+              </a:lnSpc>
+              <a:spcBef>
+                <a:spcPts val="0"/>
+              </a:spcBef>
+              <a:spcAft>
+                <a:spcPts val="0"/>
+              </a:spcAft>
+              <a:buClrTx/>
+              <a:buSzTx/>
+              <a:buFontTx/>
+              <a:buNone/>
+              <a:tabLst/>
+            </a:pPr>
+            <a:r>
+              <a:rPr kumimoji="0" lang="en-IE" sz="3200" b="0" i="0" u="none" strike="noStrike" cap="none" spc="0" normalizeH="0" baseline="0" dirty="0">
+                <a:ln>
+                  <a:noFill/>
+                </a:ln>
+                <a:solidFill>
+                  <a:srgbClr val="414141"/>
+                </a:solidFill>
+                <a:effectLst/>
+                <a:uFillTx/>
+                <a:latin typeface="Consolas" panose="020B0609020204030204" pitchFamily="49" charset="0"/>
+                <a:sym typeface="Palatino"/>
+              </a:rPr>
+              <a:t>	ON </a:t>
+            </a:r>
+            <a:r>
+              <a:rPr kumimoji="0" lang="en-IE" sz="3200" b="0" i="0" u="none" strike="noStrike" cap="none" spc="0" normalizeH="0" baseline="0" dirty="0" err="1">
+                <a:ln>
+                  <a:noFill/>
+                </a:ln>
+                <a:solidFill>
+                  <a:srgbClr val="414141"/>
+                </a:solidFill>
+                <a:effectLst/>
+                <a:uFillTx/>
+                <a:latin typeface="Consolas" panose="020B0609020204030204" pitchFamily="49" charset="0"/>
+                <a:sym typeface="Palatino"/>
+              </a:rPr>
+              <a:t>results.raceID</a:t>
+            </a:r>
+            <a:r>
+              <a:rPr kumimoji="0" lang="en-IE" sz="3200" b="0" i="0" u="none" strike="noStrike" cap="none" spc="0" normalizeH="0" baseline="0" dirty="0">
+                <a:ln>
+                  <a:noFill/>
+                </a:ln>
+                <a:solidFill>
+                  <a:srgbClr val="414141"/>
+                </a:solidFill>
+                <a:effectLst/>
+                <a:uFillTx/>
+                <a:latin typeface="Consolas" panose="020B0609020204030204" pitchFamily="49" charset="0"/>
+                <a:sym typeface="Palatino"/>
+              </a:rPr>
+              <a:t> = races.ID</a:t>
+            </a:r>
+          </a:p>
+          <a:p>
+            <a:pPr marL="0" marR="0" indent="0" algn="l" defTabSz="825500" rtl="0" fontAlgn="auto" latinLnBrk="0" hangingPunct="0">
+              <a:lnSpc>
+                <a:spcPct val="100000"/>
+              </a:lnSpc>
+              <a:spcBef>
+                <a:spcPts val="0"/>
+              </a:spcBef>
+              <a:spcAft>
+                <a:spcPts val="0"/>
+              </a:spcAft>
+              <a:buClrTx/>
+              <a:buSzTx/>
+              <a:buFontTx/>
+              <a:buNone/>
+              <a:tabLst/>
+            </a:pPr>
+            <a:r>
+              <a:rPr lang="en-IE" dirty="0">
+                <a:latin typeface="Consolas" panose="020B0609020204030204" pitchFamily="49" charset="0"/>
+              </a:rPr>
+              <a:t>WHERE </a:t>
+            </a:r>
+            <a:r>
+              <a:rPr lang="en-IE" dirty="0" err="1">
+                <a:latin typeface="Consolas" panose="020B0609020204030204" pitchFamily="49" charset="0"/>
+              </a:rPr>
+              <a:t>results.status</a:t>
+            </a:r>
+            <a:r>
+              <a:rPr lang="en-IE" dirty="0">
+                <a:latin typeface="Consolas" panose="020B0609020204030204" pitchFamily="49" charset="0"/>
+              </a:rPr>
+              <a:t> = ‘Collision’ AND </a:t>
+            </a:r>
+            <a:r>
+              <a:rPr lang="en-IE" dirty="0" err="1">
+                <a:latin typeface="Consolas" panose="020B0609020204030204" pitchFamily="49" charset="0"/>
+              </a:rPr>
+              <a:t>circuits.altitude</a:t>
+            </a:r>
+            <a:r>
+              <a:rPr lang="en-IE" dirty="0">
+                <a:latin typeface="Consolas" panose="020B0609020204030204" pitchFamily="49" charset="0"/>
+              </a:rPr>
+              <a:t> &gt;= 500</a:t>
+            </a:r>
+          </a:p>
+          <a:p>
+            <a:pPr marL="0" marR="0" indent="0" algn="l" defTabSz="825500" rtl="0" fontAlgn="auto" latinLnBrk="0" hangingPunct="0">
+              <a:lnSpc>
+                <a:spcPct val="100000"/>
+              </a:lnSpc>
+              <a:spcBef>
+                <a:spcPts val="0"/>
+              </a:spcBef>
+              <a:spcAft>
+                <a:spcPts val="0"/>
+              </a:spcAft>
+              <a:buClrTx/>
+              <a:buSzTx/>
+              <a:buFontTx/>
+              <a:buNone/>
+              <a:tabLst/>
+            </a:pPr>
+            <a:r>
+              <a:rPr kumimoji="0" lang="en-IE" sz="3200" b="0" i="0" u="none" strike="noStrike" cap="none" spc="0" normalizeH="0" baseline="0" dirty="0">
+                <a:ln>
+                  <a:noFill/>
+                </a:ln>
+                <a:solidFill>
+                  <a:srgbClr val="414141"/>
+                </a:solidFill>
+                <a:effectLst/>
+                <a:uFillTx/>
+                <a:latin typeface="Consolas" panose="020B0609020204030204" pitchFamily="49" charset="0"/>
+                <a:sym typeface="Palatino"/>
+              </a:rPr>
+              <a:t>GROUP BY </a:t>
+            </a:r>
+            <a:r>
+              <a:rPr kumimoji="0" lang="en-IE" sz="3200" b="0" i="0" u="none" strike="noStrike" cap="none" spc="0" normalizeH="0" baseline="0" dirty="0" err="1">
+                <a:ln>
+                  <a:noFill/>
+                </a:ln>
+                <a:solidFill>
+                  <a:srgbClr val="414141"/>
+                </a:solidFill>
+                <a:effectLst/>
+                <a:uFillTx/>
+                <a:latin typeface="Consolas" panose="020B0609020204030204" pitchFamily="49" charset="0"/>
+                <a:sym typeface="Palatino"/>
+              </a:rPr>
+              <a:t>races.season</a:t>
+            </a:r>
+            <a:endParaRPr kumimoji="0" lang="en-IE" sz="3200" b="0" i="0" u="none" strike="noStrike" cap="none" spc="0" normalizeH="0" baseline="0" dirty="0">
+              <a:ln>
+                <a:noFill/>
+              </a:ln>
+              <a:solidFill>
+                <a:srgbClr val="414141"/>
+              </a:solidFill>
+              <a:effectLst/>
+              <a:uFillTx/>
+              <a:latin typeface="Consolas" panose="020B0609020204030204" pitchFamily="49" charset="0"/>
+              <a:sym typeface="Palatino"/>
+            </a:endParaRPr>
+          </a:p>
+          <a:p>
+            <a:pPr marL="0" marR="0" indent="0" algn="l" defTabSz="825500" rtl="0" fontAlgn="auto" latinLnBrk="0" hangingPunct="0">
+              <a:lnSpc>
+                <a:spcPct val="100000"/>
+              </a:lnSpc>
+              <a:spcBef>
+                <a:spcPts val="0"/>
+              </a:spcBef>
+              <a:spcAft>
+                <a:spcPts val="0"/>
+              </a:spcAft>
+              <a:buClrTx/>
+              <a:buSzTx/>
+              <a:buFontTx/>
+              <a:buNone/>
+              <a:tabLst/>
+            </a:pPr>
+            <a:r>
+              <a:rPr lang="en-IE" dirty="0">
+                <a:latin typeface="Consolas" panose="020B0609020204030204" pitchFamily="49" charset="0"/>
+              </a:rPr>
+              <a:t>ORDER BY count DESC</a:t>
+            </a:r>
+            <a:endParaRPr kumimoji="0" lang="en-IE" sz="3200" b="0" i="0" u="none" strike="noStrike" cap="none" spc="0" normalizeH="0" baseline="0" dirty="0">
+              <a:ln>
+                <a:noFill/>
+              </a:ln>
+              <a:solidFill>
+                <a:srgbClr val="414141"/>
+              </a:solidFill>
+              <a:effectLst/>
+              <a:uFillTx/>
+              <a:latin typeface="Consolas" panose="020B0609020204030204" pitchFamily="49" charset="0"/>
+              <a:sym typeface="Palatino"/>
+            </a:endParaRPr>
           </a:p>
         </p:txBody>
       </p:sp>
@@ -8052,27 +8413,40 @@
                             </p:childTnLst>
                           </p:cTn>
                         </p:par>
+                      </p:childTnLst>
+                    </p:cTn>
+                  </p:par>
+                  <p:par>
+                    <p:cTn id="15" fill="hold">
+                      <p:stCondLst>
+                        <p:cond delay="indefinite"/>
+                      </p:stCondLst>
+                      <p:childTnLst>
                         <p:par>
-                          <p:cTn id="15" fill="hold">
+                          <p:cTn id="16" fill="hold">
                             <p:stCondLst>
-                              <p:cond delay="2000"/>
+                              <p:cond delay="0"/>
                             </p:stCondLst>
                             <p:childTnLst>
                               <p:par>
-                                <p:cTn id="16" presetID="1" presetClass="entr" presetSubtype="0" fill="hold" grpId="0" nodeType="afterEffect">
+                                <p:cTn id="17" presetID="1" presetClass="entr" presetSubtype="0" fill="hold" grpId="0" nodeType="clickEffect">
                                   <p:stCondLst>
                                     <p:cond delay="0"/>
                                   </p:stCondLst>
                                   <p:childTnLst>
                                     <p:set>
                                       <p:cBhvr>
-                                        <p:cTn id="17" dur="1" fill="hold">
+                                        <p:cTn id="18" dur="1" fill="hold">
                                           <p:stCondLst>
                                             <p:cond delay="0"/>
                                           </p:stCondLst>
                                         </p:cTn>
                                         <p:tgtEl>
-                                          <p:spTgt spid="14"/>
+                                          <p:spTgt spid="2">
+                                            <p:txEl>
+                                              <p:pRg st="0" end="0"/>
+                                            </p:txEl>
+                                          </p:spTgt>
                                         </p:tgtEl>
                                         <p:attrNameLst>
                                           <p:attrName>style.visibility</p:attrName>
@@ -8085,21 +8459,373 @@
                                   </p:childTnLst>
                                 </p:cTn>
                               </p:par>
+                            </p:childTnLst>
+                          </p:cTn>
+                        </p:par>
+                      </p:childTnLst>
+                    </p:cTn>
+                  </p:par>
+                  <p:par>
+                    <p:cTn id="19" fill="hold">
+                      <p:stCondLst>
+                        <p:cond delay="indefinite"/>
+                      </p:stCondLst>
+                      <p:childTnLst>
+                        <p:par>
+                          <p:cTn id="20" fill="hold">
+                            <p:stCondLst>
+                              <p:cond delay="0"/>
+                            </p:stCondLst>
+                            <p:childTnLst>
                               <p:par>
-                                <p:cTn id="18" presetID="1" presetClass="entr" presetSubtype="0" fill="hold" nodeType="withEffect">
+                                <p:cTn id="21" presetID="1" presetClass="entr" presetSubtype="0" fill="hold" grpId="0" nodeType="clickEffect">
                                   <p:stCondLst>
                                     <p:cond delay="0"/>
                                   </p:stCondLst>
                                   <p:childTnLst>
                                     <p:set>
                                       <p:cBhvr>
-                                        <p:cTn id="19" dur="1" fill="hold">
+                                        <p:cTn id="22" dur="1" fill="hold">
                                           <p:stCondLst>
                                             <p:cond delay="0"/>
                                           </p:stCondLst>
                                         </p:cTn>
                                         <p:tgtEl>
-                                          <p:spTgt spid="16"/>
+                                          <p:spTgt spid="2">
+                                            <p:txEl>
+                                              <p:pRg st="1" end="1"/>
+                                            </p:txEl>
+                                          </p:spTgt>
+                                        </p:tgtEl>
+                                        <p:attrNameLst>
+                                          <p:attrName>style.visibility</p:attrName>
+                                        </p:attrNameLst>
+                                      </p:cBhvr>
+                                      <p:to>
+                                        <p:strVal val="visible"/>
+                                      </p:to>
+                                    </p:set>
+                                  </p:childTnLst>
+                                </p:cTn>
+                              </p:par>
+                            </p:childTnLst>
+                          </p:cTn>
+                        </p:par>
+                      </p:childTnLst>
+                    </p:cTn>
+                  </p:par>
+                  <p:par>
+                    <p:cTn id="23" fill="hold">
+                      <p:stCondLst>
+                        <p:cond delay="indefinite"/>
+                      </p:stCondLst>
+                      <p:childTnLst>
+                        <p:par>
+                          <p:cTn id="24" fill="hold">
+                            <p:stCondLst>
+                              <p:cond delay="0"/>
+                            </p:stCondLst>
+                            <p:childTnLst>
+                              <p:par>
+                                <p:cTn id="25" presetID="1" presetClass="entr" presetSubtype="0" fill="hold" grpId="0" nodeType="clickEffect">
+                                  <p:stCondLst>
+                                    <p:cond delay="0"/>
+                                  </p:stCondLst>
+                                  <p:childTnLst>
+                                    <p:set>
+                                      <p:cBhvr>
+                                        <p:cTn id="26" dur="1" fill="hold">
+                                          <p:stCondLst>
+                                            <p:cond delay="0"/>
+                                          </p:stCondLst>
+                                        </p:cTn>
+                                        <p:tgtEl>
+                                          <p:spTgt spid="2">
+                                            <p:txEl>
+                                              <p:pRg st="2" end="2"/>
+                                            </p:txEl>
+                                          </p:spTgt>
+                                        </p:tgtEl>
+                                        <p:attrNameLst>
+                                          <p:attrName>style.visibility</p:attrName>
+                                        </p:attrNameLst>
+                                      </p:cBhvr>
+                                      <p:to>
+                                        <p:strVal val="visible"/>
+                                      </p:to>
+                                    </p:set>
+                                  </p:childTnLst>
+                                </p:cTn>
+                              </p:par>
+                            </p:childTnLst>
+                          </p:cTn>
+                        </p:par>
+                      </p:childTnLst>
+                    </p:cTn>
+                  </p:par>
+                  <p:par>
+                    <p:cTn id="27" fill="hold">
+                      <p:stCondLst>
+                        <p:cond delay="indefinite"/>
+                      </p:stCondLst>
+                      <p:childTnLst>
+                        <p:par>
+                          <p:cTn id="28" fill="hold">
+                            <p:stCondLst>
+                              <p:cond delay="0"/>
+                            </p:stCondLst>
+                            <p:childTnLst>
+                              <p:par>
+                                <p:cTn id="29" presetID="1" presetClass="entr" presetSubtype="0" fill="hold" grpId="0" nodeType="clickEffect">
+                                  <p:stCondLst>
+                                    <p:cond delay="0"/>
+                                  </p:stCondLst>
+                                  <p:childTnLst>
+                                    <p:set>
+                                      <p:cBhvr>
+                                        <p:cTn id="30" dur="1" fill="hold">
+                                          <p:stCondLst>
+                                            <p:cond delay="0"/>
+                                          </p:stCondLst>
+                                        </p:cTn>
+                                        <p:tgtEl>
+                                          <p:spTgt spid="2">
+                                            <p:txEl>
+                                              <p:pRg st="3" end="3"/>
+                                            </p:txEl>
+                                          </p:spTgt>
+                                        </p:tgtEl>
+                                        <p:attrNameLst>
+                                          <p:attrName>style.visibility</p:attrName>
+                                        </p:attrNameLst>
+                                      </p:cBhvr>
+                                      <p:to>
+                                        <p:strVal val="visible"/>
+                                      </p:to>
+                                    </p:set>
+                                  </p:childTnLst>
+                                </p:cTn>
+                              </p:par>
+                            </p:childTnLst>
+                          </p:cTn>
+                        </p:par>
+                      </p:childTnLst>
+                    </p:cTn>
+                  </p:par>
+                  <p:par>
+                    <p:cTn id="31" fill="hold">
+                      <p:stCondLst>
+                        <p:cond delay="indefinite"/>
+                      </p:stCondLst>
+                      <p:childTnLst>
+                        <p:par>
+                          <p:cTn id="32" fill="hold">
+                            <p:stCondLst>
+                              <p:cond delay="0"/>
+                            </p:stCondLst>
+                            <p:childTnLst>
+                              <p:par>
+                                <p:cTn id="33" presetID="1" presetClass="entr" presetSubtype="0" fill="hold" grpId="0" nodeType="clickEffect">
+                                  <p:stCondLst>
+                                    <p:cond delay="0"/>
+                                  </p:stCondLst>
+                                  <p:childTnLst>
+                                    <p:set>
+                                      <p:cBhvr>
+                                        <p:cTn id="34" dur="1" fill="hold">
+                                          <p:stCondLst>
+                                            <p:cond delay="0"/>
+                                          </p:stCondLst>
+                                        </p:cTn>
+                                        <p:tgtEl>
+                                          <p:spTgt spid="2">
+                                            <p:txEl>
+                                              <p:pRg st="4" end="4"/>
+                                            </p:txEl>
+                                          </p:spTgt>
+                                        </p:tgtEl>
+                                        <p:attrNameLst>
+                                          <p:attrName>style.visibility</p:attrName>
+                                        </p:attrNameLst>
+                                      </p:cBhvr>
+                                      <p:to>
+                                        <p:strVal val="visible"/>
+                                      </p:to>
+                                    </p:set>
+                                  </p:childTnLst>
+                                </p:cTn>
+                              </p:par>
+                            </p:childTnLst>
+                          </p:cTn>
+                        </p:par>
+                      </p:childTnLst>
+                    </p:cTn>
+                  </p:par>
+                  <p:par>
+                    <p:cTn id="35" fill="hold">
+                      <p:stCondLst>
+                        <p:cond delay="indefinite"/>
+                      </p:stCondLst>
+                      <p:childTnLst>
+                        <p:par>
+                          <p:cTn id="36" fill="hold">
+                            <p:stCondLst>
+                              <p:cond delay="0"/>
+                            </p:stCondLst>
+                            <p:childTnLst>
+                              <p:par>
+                                <p:cTn id="37" presetID="1" presetClass="entr" presetSubtype="0" fill="hold" grpId="0" nodeType="clickEffect">
+                                  <p:stCondLst>
+                                    <p:cond delay="0"/>
+                                  </p:stCondLst>
+                                  <p:childTnLst>
+                                    <p:set>
+                                      <p:cBhvr>
+                                        <p:cTn id="38" dur="1" fill="hold">
+                                          <p:stCondLst>
+                                            <p:cond delay="0"/>
+                                          </p:stCondLst>
+                                        </p:cTn>
+                                        <p:tgtEl>
+                                          <p:spTgt spid="2">
+                                            <p:txEl>
+                                              <p:pRg st="5" end="5"/>
+                                            </p:txEl>
+                                          </p:spTgt>
+                                        </p:tgtEl>
+                                        <p:attrNameLst>
+                                          <p:attrName>style.visibility</p:attrName>
+                                        </p:attrNameLst>
+                                      </p:cBhvr>
+                                      <p:to>
+                                        <p:strVal val="visible"/>
+                                      </p:to>
+                                    </p:set>
+                                  </p:childTnLst>
+                                </p:cTn>
+                              </p:par>
+                            </p:childTnLst>
+                          </p:cTn>
+                        </p:par>
+                      </p:childTnLst>
+                    </p:cTn>
+                  </p:par>
+                  <p:par>
+                    <p:cTn id="39" fill="hold">
+                      <p:stCondLst>
+                        <p:cond delay="indefinite"/>
+                      </p:stCondLst>
+                      <p:childTnLst>
+                        <p:par>
+                          <p:cTn id="40" fill="hold">
+                            <p:stCondLst>
+                              <p:cond delay="0"/>
+                            </p:stCondLst>
+                            <p:childTnLst>
+                              <p:par>
+                                <p:cTn id="41" presetID="1" presetClass="entr" presetSubtype="0" fill="hold" grpId="0" nodeType="clickEffect">
+                                  <p:stCondLst>
+                                    <p:cond delay="0"/>
+                                  </p:stCondLst>
+                                  <p:childTnLst>
+                                    <p:set>
+                                      <p:cBhvr>
+                                        <p:cTn id="42" dur="1" fill="hold">
+                                          <p:stCondLst>
+                                            <p:cond delay="0"/>
+                                          </p:stCondLst>
+                                        </p:cTn>
+                                        <p:tgtEl>
+                                          <p:spTgt spid="2">
+                                            <p:txEl>
+                                              <p:pRg st="6" end="6"/>
+                                            </p:txEl>
+                                          </p:spTgt>
+                                        </p:tgtEl>
+                                        <p:attrNameLst>
+                                          <p:attrName>style.visibility</p:attrName>
+                                        </p:attrNameLst>
+                                      </p:cBhvr>
+                                      <p:to>
+                                        <p:strVal val="visible"/>
+                                      </p:to>
+                                    </p:set>
+                                  </p:childTnLst>
+                                </p:cTn>
+                              </p:par>
+                            </p:childTnLst>
+                          </p:cTn>
+                        </p:par>
+                      </p:childTnLst>
+                    </p:cTn>
+                  </p:par>
+                  <p:par>
+                    <p:cTn id="43" fill="hold">
+                      <p:stCondLst>
+                        <p:cond delay="indefinite"/>
+                      </p:stCondLst>
+                      <p:childTnLst>
+                        <p:par>
+                          <p:cTn id="44" fill="hold">
+                            <p:stCondLst>
+                              <p:cond delay="0"/>
+                            </p:stCondLst>
+                            <p:childTnLst>
+                              <p:par>
+                                <p:cTn id="45" presetID="1" presetClass="entr" presetSubtype="0" fill="hold" grpId="0" nodeType="clickEffect">
+                                  <p:stCondLst>
+                                    <p:cond delay="0"/>
+                                  </p:stCondLst>
+                                  <p:childTnLst>
+                                    <p:set>
+                                      <p:cBhvr>
+                                        <p:cTn id="46" dur="1" fill="hold">
+                                          <p:stCondLst>
+                                            <p:cond delay="0"/>
+                                          </p:stCondLst>
+                                        </p:cTn>
+                                        <p:tgtEl>
+                                          <p:spTgt spid="2">
+                                            <p:txEl>
+                                              <p:pRg st="7" end="7"/>
+                                            </p:txEl>
+                                          </p:spTgt>
+                                        </p:tgtEl>
+                                        <p:attrNameLst>
+                                          <p:attrName>style.visibility</p:attrName>
+                                        </p:attrNameLst>
+                                      </p:cBhvr>
+                                      <p:to>
+                                        <p:strVal val="visible"/>
+                                      </p:to>
+                                    </p:set>
+                                  </p:childTnLst>
+                                </p:cTn>
+                              </p:par>
+                            </p:childTnLst>
+                          </p:cTn>
+                        </p:par>
+                        <p:par>
+                          <p:cTn id="47" fill="hold">
+                            <p:stCondLst>
+                              <p:cond delay="0"/>
+                            </p:stCondLst>
+                            <p:childTnLst>
+                              <p:par>
+                                <p:cTn id="48" presetID="1" presetClass="entr" presetSubtype="0" fill="hold" grpId="0" nodeType="afterEffect">
+                                  <p:stCondLst>
+                                    <p:cond delay="0"/>
+                                  </p:stCondLst>
+                                  <p:childTnLst>
+                                    <p:set>
+                                      <p:cBhvr>
+                                        <p:cTn id="49" dur="1" fill="hold">
+                                          <p:stCondLst>
+                                            <p:cond delay="0"/>
+                                          </p:stCondLst>
+                                        </p:cTn>
+                                        <p:tgtEl>
+                                          <p:spTgt spid="14"/>
                                         </p:tgtEl>
                                         <p:attrNameLst>
                                           <p:attrName>style.visibility</p:attrName>
@@ -8143,6 +8869,7 @@
       <p:bldP spid="14" grpId="0" animBg="1"/>
       <p:bldP spid="17" grpId="1" build="p" animBg="1"/>
       <p:bldP spid="17" grpId="2" uiExpand="1" build="p" animBg="1"/>
+      <p:bldP spid="2" grpId="0" build="p"/>
     </p:bldLst>
   </p:timing>
 </p:sld>

--- a/presentation DBM1.pptx
+++ b/presentation DBM1.pptx
@@ -861,7 +861,7 @@
           <a:lstStyle/>
           <a:p>
             <a:fld id="{86CB4B4D-7CA3-9044-876B-883B54F8677D}" type="slidenum">
-              <a:t>‹#›</a:t>
+              <a:t>‹Nr.›</a:t>
             </a:fld>
             <a:endParaRPr/>
           </a:p>
@@ -996,7 +996,7 @@
           <a:lstStyle/>
           <a:p>
             <a:fld id="{86CB4B4D-7CA3-9044-876B-883B54F8677D}" type="slidenum">
-              <a:t>‹#›</a:t>
+              <a:t>‹Nr.›</a:t>
             </a:fld>
             <a:endParaRPr/>
           </a:p>
@@ -1077,7 +1077,7 @@
           <a:lstStyle/>
           <a:p>
             <a:fld id="{86CB4B4D-7CA3-9044-876B-883B54F8677D}" type="slidenum">
-              <a:t>‹#›</a:t>
+              <a:t>‹Nr.›</a:t>
             </a:fld>
             <a:endParaRPr/>
           </a:p>
@@ -1129,7 +1129,7 @@
           <a:lstStyle/>
           <a:p>
             <a:fld id="{86CB4B4D-7CA3-9044-876B-883B54F8677D}" type="slidenum">
-              <a:t>‹#›</a:t>
+              <a:t>‹Nr.›</a:t>
             </a:fld>
             <a:endParaRPr/>
           </a:p>
@@ -1561,7 +1561,7 @@
           <a:lstStyle/>
           <a:p>
             <a:fld id="{86CB4B4D-7CA3-9044-876B-883B54F8677D}" type="slidenum">
-              <a:t>‹#›</a:t>
+              <a:t>‹Nr.›</a:t>
             </a:fld>
             <a:endParaRPr/>
           </a:p>
@@ -1642,7 +1642,7 @@
           <a:lstStyle/>
           <a:p>
             <a:fld id="{86CB4B4D-7CA3-9044-876B-883B54F8677D}" type="slidenum">
-              <a:t>‹#›</a:t>
+              <a:t>‹Nr.›</a:t>
             </a:fld>
             <a:endParaRPr/>
           </a:p>
@@ -1992,7 +1992,7 @@
           <a:lstStyle/>
           <a:p>
             <a:fld id="{86CB4B4D-7CA3-9044-876B-883B54F8677D}" type="slidenum">
-              <a:t>‹#›</a:t>
+              <a:t>‹Nr.›</a:t>
             </a:fld>
             <a:endParaRPr/>
           </a:p>
@@ -2069,7 +2069,7 @@
           <a:lstStyle/>
           <a:p>
             <a:fld id="{86CB4B4D-7CA3-9044-876B-883B54F8677D}" type="slidenum">
-              <a:t>‹#›</a:t>
+              <a:t>‹Nr.›</a:t>
             </a:fld>
             <a:endParaRPr/>
           </a:p>
@@ -4655,7 +4655,7 @@
           <a:lstStyle/>
           <a:p>
             <a:fld id="{86CB4B4D-7CA3-9044-876B-883B54F8677D}" type="slidenum">
-              <a:t>‹#›</a:t>
+              <a:t>‹Nr.›</a:t>
             </a:fld>
             <a:endParaRPr/>
           </a:p>
@@ -4803,7 +4803,7 @@
           <a:lstStyle/>
           <a:p>
             <a:fld id="{86CB4B4D-7CA3-9044-876B-883B54F8677D}" type="slidenum">
-              <a:t>‹#›</a:t>
+              <a:t>‹Nr.›</a:t>
             </a:fld>
             <a:endParaRPr/>
           </a:p>
@@ -4954,7 +4954,7 @@
           </a:ln>
           <a:extLst>
             <a:ext uri="{C572A759-6A51-4108-AA02-DFA0A04FC94B}">
-              <ma14:wrappingTextBoxFlag xmlns="" xmlns:m="http://schemas.openxmlformats.org/officeDocument/2006/math" xmlns:a14="http://schemas.microsoft.com/office/drawing/2010/main" xmlns:ma14="http://schemas.microsoft.com/office/mac/drawingml/2011/main" val="1"/>
+              <ma14:wrappingTextBoxFlag xmlns:ma14="http://schemas.microsoft.com/office/mac/drawingml/2011/main" xmlns:a14="http://schemas.microsoft.com/office/drawing/2010/main" xmlns:m="http://schemas.openxmlformats.org/officeDocument/2006/math" xmlns="" val="1"/>
             </a:ext>
           </a:extLst>
         </p:spPr>
@@ -4993,7 +4993,7 @@
           </a:ln>
           <a:extLst>
             <a:ext uri="{C572A759-6A51-4108-AA02-DFA0A04FC94B}">
-              <ma14:wrappingTextBoxFlag xmlns="" xmlns:m="http://schemas.openxmlformats.org/officeDocument/2006/math" xmlns:a14="http://schemas.microsoft.com/office/drawing/2010/main" xmlns:ma14="http://schemas.microsoft.com/office/mac/drawingml/2011/main" val="1"/>
+              <ma14:wrappingTextBoxFlag xmlns:ma14="http://schemas.microsoft.com/office/mac/drawingml/2011/main" xmlns:a14="http://schemas.microsoft.com/office/drawing/2010/main" xmlns:m="http://schemas.openxmlformats.org/officeDocument/2006/math" xmlns="" val="1"/>
             </a:ext>
           </a:extLst>
         </p:spPr>
@@ -5070,7 +5070,7 @@
           </a:lstStyle>
           <a:p>
             <a:fld id="{86CB4B4D-7CA3-9044-876B-883B54F8677D}" type="slidenum">
-              <a:t>‹#›</a:t>
+              <a:t>‹Nr.›</a:t>
             </a:fld>
             <a:endParaRPr/>
           </a:p>
@@ -6570,6 +6570,127 @@
           </a:p>
         </p:txBody>
       </p:sp>
+      <p:sp>
+        <p:nvSpPr>
+          <p:cNvPr id="2" name="Rechteck 1">
+            <a:extLst>
+              <a:ext uri="{FF2B5EF4-FFF2-40B4-BE49-F238E27FC236}">
+                <a16:creationId xmlns:a16="http://schemas.microsoft.com/office/drawing/2014/main" id="{25BAFE39-FFF7-D7ED-5F5F-79F998C0661E}"/>
+              </a:ext>
+            </a:extLst>
+          </p:cNvPr>
+          <p:cNvSpPr/>
+          <p:nvPr/>
+        </p:nvSpPr>
+        <p:spPr>
+          <a:xfrm>
+            <a:off x="952500" y="3466666"/>
+            <a:ext cx="22479000" cy="9106333"/>
+          </a:xfrm>
+          <a:prstGeom prst="rect">
+            <a:avLst/>
+          </a:prstGeom>
+          <a:solidFill>
+            <a:srgbClr val="FFFFFF"/>
+          </a:solidFill>
+          <a:ln w="12700" cap="flat">
+            <a:noFill/>
+            <a:miter lim="400000"/>
+          </a:ln>
+          <a:effectLst/>
+          <a:sp3d/>
+        </p:spPr>
+        <p:style>
+          <a:lnRef idx="0">
+            <a:scrgbClr r="0" g="0" b="0"/>
+          </a:lnRef>
+          <a:fillRef idx="0">
+            <a:scrgbClr r="0" g="0" b="0"/>
+          </a:fillRef>
+          <a:effectRef idx="0">
+            <a:scrgbClr r="0" g="0" b="0"/>
+          </a:effectRef>
+          <a:fontRef idx="none"/>
+        </p:style>
+        <p:txBody>
+          <a:bodyPr rot="0" spcFirstLastPara="1" vertOverflow="overflow" horzOverflow="overflow" vert="horz" wrap="square" lIns="50800" tIns="50800" rIns="50800" bIns="50800" numCol="1" spcCol="38100" rtlCol="0" anchor="ctr">
+            <a:spAutoFit/>
+          </a:bodyPr>
+          <a:lstStyle/>
+          <a:p>
+            <a:pPr marL="0" marR="0" indent="0" algn="ctr" defTabSz="825500" rtl="0" fontAlgn="auto" latinLnBrk="0" hangingPunct="0">
+              <a:lnSpc>
+                <a:spcPct val="100000"/>
+              </a:lnSpc>
+              <a:spcBef>
+                <a:spcPts val="0"/>
+              </a:spcBef>
+              <a:spcAft>
+                <a:spcPts val="0"/>
+              </a:spcAft>
+              <a:buClrTx/>
+              <a:buSzTx/>
+              <a:buFontTx/>
+              <a:buNone/>
+              <a:tabLst/>
+            </a:pPr>
+            <a:endParaRPr kumimoji="0" lang="de-DE" sz="4400" b="0" i="0" u="none" strike="noStrike" cap="none" spc="0" normalizeH="0" baseline="0">
+              <a:ln>
+                <a:noFill/>
+              </a:ln>
+              <a:solidFill>
+                <a:srgbClr val="FFFFFF"/>
+              </a:solidFill>
+              <a:effectLst>
+                <a:outerShdw blurRad="25400" dist="33948" dir="2700000" rotWithShape="0">
+                  <a:srgbClr val="3B3936"/>
+                </a:outerShdw>
+              </a:effectLst>
+              <a:uFillTx/>
+              <a:latin typeface="Palatino"/>
+              <a:ea typeface="Palatino"/>
+              <a:cs typeface="Palatino"/>
+              <a:sym typeface="Palatino"/>
+            </a:endParaRPr>
+          </a:p>
+        </p:txBody>
+      </p:sp>
+      <p:pic>
+        <p:nvPicPr>
+          <p:cNvPr id="3" name="Grafik 2">
+            <a:extLst>
+              <a:ext uri="{FF2B5EF4-FFF2-40B4-BE49-F238E27FC236}">
+                <a16:creationId xmlns:a16="http://schemas.microsoft.com/office/drawing/2014/main" id="{E29DE1E4-B22F-57D4-B5A5-CACFB51B4F2A}"/>
+              </a:ext>
+            </a:extLst>
+          </p:cNvPr>
+          <p:cNvPicPr>
+            <a:picLocks noChangeAspect="1"/>
+          </p:cNvPicPr>
+          <p:nvPr/>
+        </p:nvPicPr>
+        <p:blipFill>
+          <a:blip r:embed="rId2">
+            <a:extLst>
+              <a:ext uri="{28A0092B-C50C-407E-A947-70E740481C1C}">
+                <a14:useLocalDpi xmlns:a14="http://schemas.microsoft.com/office/drawing/2010/main" val="0"/>
+              </a:ext>
+            </a:extLst>
+          </a:blip>
+          <a:stretch>
+            <a:fillRect/>
+          </a:stretch>
+        </p:blipFill>
+        <p:spPr>
+          <a:xfrm>
+            <a:off x="7165975" y="3774506"/>
+            <a:ext cx="9911063" cy="8978610"/>
+          </a:xfrm>
+          <a:prstGeom prst="rect">
+            <a:avLst/>
+          </a:prstGeom>
+        </p:spPr>
+      </p:pic>
     </p:spTree>
   </p:cSld>
   <p:clrMapOvr>
@@ -6622,8 +6743,8 @@
           </a:p>
         </p:txBody>
       </p:sp>
-      <mc:AlternateContent xmlns:mc="http://schemas.openxmlformats.org/markup-compatibility/2006">
-        <mc:Choice xmlns:a14="http://schemas.microsoft.com/office/drawing/2010/main" Requires="a14">
+      <mc:AlternateContent xmlns:mc="http://schemas.openxmlformats.org/markup-compatibility/2006" xmlns:a14="http://schemas.microsoft.com/office/drawing/2010/main">
+        <mc:Choice Requires="a14">
           <p:sp>
             <p:nvSpPr>
               <p:cNvPr id="14" name="Textfeld 13">
@@ -7701,7 +7822,7 @@
             </p:txBody>
           </p:sp>
         </mc:Choice>
-        <mc:Fallback>
+        <mc:Fallback xmlns="">
           <p:sp>
             <p:nvSpPr>
               <p:cNvPr id="14" name="Textfeld 13">

--- a/presentation DBM1.pptx
+++ b/presentation DBM1.pptx
@@ -861,7 +861,7 @@
           <a:lstStyle/>
           <a:p>
             <a:fld id="{86CB4B4D-7CA3-9044-876B-883B54F8677D}" type="slidenum">
-              <a:t>‹Nr.›</a:t>
+              <a:t>‹#›</a:t>
             </a:fld>
             <a:endParaRPr/>
           </a:p>
@@ -996,7 +996,7 @@
           <a:lstStyle/>
           <a:p>
             <a:fld id="{86CB4B4D-7CA3-9044-876B-883B54F8677D}" type="slidenum">
-              <a:t>‹Nr.›</a:t>
+              <a:t>‹#›</a:t>
             </a:fld>
             <a:endParaRPr/>
           </a:p>
@@ -1077,7 +1077,7 @@
           <a:lstStyle/>
           <a:p>
             <a:fld id="{86CB4B4D-7CA3-9044-876B-883B54F8677D}" type="slidenum">
-              <a:t>‹Nr.›</a:t>
+              <a:t>‹#›</a:t>
             </a:fld>
             <a:endParaRPr/>
           </a:p>
@@ -1129,7 +1129,7 @@
           <a:lstStyle/>
           <a:p>
             <a:fld id="{86CB4B4D-7CA3-9044-876B-883B54F8677D}" type="slidenum">
-              <a:t>‹Nr.›</a:t>
+              <a:t>‹#›</a:t>
             </a:fld>
             <a:endParaRPr/>
           </a:p>
@@ -1561,7 +1561,7 @@
           <a:lstStyle/>
           <a:p>
             <a:fld id="{86CB4B4D-7CA3-9044-876B-883B54F8677D}" type="slidenum">
-              <a:t>‹Nr.›</a:t>
+              <a:t>‹#›</a:t>
             </a:fld>
             <a:endParaRPr/>
           </a:p>
@@ -1642,7 +1642,7 @@
           <a:lstStyle/>
           <a:p>
             <a:fld id="{86CB4B4D-7CA3-9044-876B-883B54F8677D}" type="slidenum">
-              <a:t>‹Nr.›</a:t>
+              <a:t>‹#›</a:t>
             </a:fld>
             <a:endParaRPr/>
           </a:p>
@@ -1992,7 +1992,7 @@
           <a:lstStyle/>
           <a:p>
             <a:fld id="{86CB4B4D-7CA3-9044-876B-883B54F8677D}" type="slidenum">
-              <a:t>‹Nr.›</a:t>
+              <a:t>‹#›</a:t>
             </a:fld>
             <a:endParaRPr/>
           </a:p>
@@ -2069,7 +2069,7 @@
           <a:lstStyle/>
           <a:p>
             <a:fld id="{86CB4B4D-7CA3-9044-876B-883B54F8677D}" type="slidenum">
-              <a:t>‹Nr.›</a:t>
+              <a:t>‹#›</a:t>
             </a:fld>
             <a:endParaRPr/>
           </a:p>
@@ -4655,7 +4655,7 @@
           <a:lstStyle/>
           <a:p>
             <a:fld id="{86CB4B4D-7CA3-9044-876B-883B54F8677D}" type="slidenum">
-              <a:t>‹Nr.›</a:t>
+              <a:t>‹#›</a:t>
             </a:fld>
             <a:endParaRPr/>
           </a:p>
@@ -4803,7 +4803,7 @@
           <a:lstStyle/>
           <a:p>
             <a:fld id="{86CB4B4D-7CA3-9044-876B-883B54F8677D}" type="slidenum">
-              <a:t>‹Nr.›</a:t>
+              <a:t>‹#›</a:t>
             </a:fld>
             <a:endParaRPr/>
           </a:p>
@@ -4954,7 +4954,7 @@
           </a:ln>
           <a:extLst>
             <a:ext uri="{C572A759-6A51-4108-AA02-DFA0A04FC94B}">
-              <ma14:wrappingTextBoxFlag xmlns:ma14="http://schemas.microsoft.com/office/mac/drawingml/2011/main" xmlns:a14="http://schemas.microsoft.com/office/drawing/2010/main" xmlns:m="http://schemas.openxmlformats.org/officeDocument/2006/math" xmlns="" val="1"/>
+              <ma14:wrappingTextBoxFlag xmlns="" xmlns:m="http://schemas.openxmlformats.org/officeDocument/2006/math" xmlns:a14="http://schemas.microsoft.com/office/drawing/2010/main" xmlns:ma14="http://schemas.microsoft.com/office/mac/drawingml/2011/main" val="1"/>
             </a:ext>
           </a:extLst>
         </p:spPr>
@@ -4993,7 +4993,7 @@
           </a:ln>
           <a:extLst>
             <a:ext uri="{C572A759-6A51-4108-AA02-DFA0A04FC94B}">
-              <ma14:wrappingTextBoxFlag xmlns:ma14="http://schemas.microsoft.com/office/mac/drawingml/2011/main" xmlns:a14="http://schemas.microsoft.com/office/drawing/2010/main" xmlns:m="http://schemas.openxmlformats.org/officeDocument/2006/math" xmlns="" val="1"/>
+              <ma14:wrappingTextBoxFlag xmlns="" xmlns:m="http://schemas.openxmlformats.org/officeDocument/2006/math" xmlns:a14="http://schemas.microsoft.com/office/drawing/2010/main" xmlns:ma14="http://schemas.microsoft.com/office/mac/drawingml/2011/main" val="1"/>
             </a:ext>
           </a:extLst>
         </p:spPr>
@@ -5070,7 +5070,7 @@
           </a:lstStyle>
           <a:p>
             <a:fld id="{86CB4B4D-7CA3-9044-876B-883B54F8677D}" type="slidenum">
-              <a:t>‹Nr.›</a:t>
+              <a:t>‹#›</a:t>
             </a:fld>
             <a:endParaRPr/>
           </a:p>
@@ -5953,7 +5953,43 @@
           </a:lstStyle>
           <a:p>
             <a:r>
-              <a:t>Formula 1 race data from 1950 to 2022</a:t>
+              <a:rPr dirty="0"/>
+              <a:t>Formula 1 </a:t>
+            </a:r>
+            <a:r>
+              <a:rPr lang="en-IE" dirty="0"/>
+              <a:t>R</a:t>
+            </a:r>
+            <a:r>
+              <a:rPr dirty="0"/>
+              <a:t>ace </a:t>
+            </a:r>
+            <a:r>
+              <a:rPr lang="en-IE" dirty="0"/>
+              <a:t>D</a:t>
+            </a:r>
+            <a:r>
+              <a:rPr dirty="0" err="1"/>
+              <a:t>ata</a:t>
+            </a:r>
+            <a:r>
+              <a:rPr dirty="0"/>
+              <a:t> </a:t>
+            </a:r>
+            <a:br>
+              <a:rPr lang="en-IE" dirty="0"/>
+            </a:br>
+            <a:r>
+              <a:rPr dirty="0"/>
+              <a:t>1950 </a:t>
+            </a:r>
+            <a:r>
+              <a:rPr lang="en-IE" dirty="0"/>
+              <a:t>-</a:t>
+            </a:r>
+            <a:r>
+              <a:rPr dirty="0"/>
+              <a:t> 2022</a:t>
             </a:r>
           </a:p>
         </p:txBody>
@@ -6070,7 +6106,7 @@
             </a:r>
             <a:r>
               <a:rPr lang="en-IE" dirty="0"/>
-              <a:t>one</a:t>
+              <a:t>One</a:t>
             </a:r>
             <a:r>
               <a:rPr lang="de-DE" dirty="0"/>
@@ -6080,8 +6116,22 @@
           <a:p>
             <a:pPr lvl="1"/>
             <a:r>
+              <a:rPr lang="de-DE" dirty="0"/>
+              <a:t>Drivers and Constructors</a:t>
+            </a:r>
+          </a:p>
+          <a:p>
+            <a:pPr lvl="1"/>
+            <a:r>
+              <a:rPr lang="de-DE" dirty="0"/>
+              <a:t>Circuits</a:t>
+            </a:r>
+          </a:p>
+          <a:p>
+            <a:pPr lvl="1"/>
+            <a:r>
               <a:rPr lang="de-DE" dirty="0" err="1"/>
-              <a:t>Circuits</a:t>
+              <a:t>Races</a:t>
             </a:r>
             <a:endParaRPr lang="de-DE" dirty="0"/>
           </a:p>
@@ -6089,78 +6139,34 @@
             <a:pPr lvl="1"/>
             <a:r>
               <a:rPr lang="de-DE" dirty="0" err="1"/>
-              <a:t>Races</a:t>
-            </a:r>
-            <a:endParaRPr lang="de-DE" dirty="0"/>
+              <a:t>Results</a:t>
+            </a:r>
+            <a:r>
+              <a:rPr lang="de-DE" dirty="0"/>
+              <a:t> (</a:t>
+            </a:r>
+            <a:r>
+              <a:rPr lang="de-DE" dirty="0" err="1"/>
+              <a:t>drivers</a:t>
+            </a:r>
+            <a:r>
+              <a:rPr lang="de-DE" dirty="0"/>
+              <a:t> and </a:t>
+            </a:r>
+            <a:r>
+              <a:rPr lang="de-DE" dirty="0" err="1"/>
+              <a:t>constructors</a:t>
+            </a:r>
+            <a:r>
+              <a:rPr lang="de-DE" dirty="0"/>
+              <a:t>)</a:t>
+            </a:r>
           </a:p>
           <a:p>
             <a:pPr lvl="1"/>
             <a:r>
-              <a:rPr lang="de-DE" dirty="0" err="1"/>
-              <a:t>Results</a:t>
-            </a:r>
-            <a:r>
               <a:rPr lang="de-DE" dirty="0"/>
-              <a:t> (</a:t>
-            </a:r>
-            <a:r>
-              <a:rPr lang="de-DE" dirty="0" err="1"/>
-              <a:t>drivers</a:t>
-            </a:r>
-            <a:r>
-              <a:rPr lang="de-DE" dirty="0"/>
-              <a:t> and </a:t>
-            </a:r>
-            <a:r>
-              <a:rPr lang="de-DE" dirty="0" err="1"/>
-              <a:t>constructors</a:t>
-            </a:r>
-            <a:r>
-              <a:rPr lang="de-DE" dirty="0"/>
-              <a:t>)</a:t>
-            </a:r>
-          </a:p>
-          <a:p>
-            <a:pPr lvl="1"/>
-            <a:r>
-              <a:rPr lang="de-DE" dirty="0"/>
-              <a:t>Sprints, </a:t>
-            </a:r>
-            <a:r>
-              <a:rPr lang="de-DE" dirty="0" err="1"/>
-              <a:t>lap</a:t>
-            </a:r>
-            <a:r>
-              <a:rPr lang="de-DE" dirty="0"/>
-              <a:t> </a:t>
-            </a:r>
-            <a:r>
-              <a:rPr lang="de-DE" dirty="0" err="1"/>
-              <a:t>times</a:t>
-            </a:r>
-            <a:r>
-              <a:rPr lang="de-DE" dirty="0"/>
-              <a:t>, </a:t>
-            </a:r>
-            <a:r>
-              <a:rPr lang="de-DE" dirty="0" err="1"/>
-              <a:t>qualifying</a:t>
-            </a:r>
-            <a:r>
-              <a:rPr lang="de-DE" dirty="0"/>
-              <a:t>, </a:t>
-            </a:r>
-            <a:r>
-              <a:rPr lang="de-DE" dirty="0" err="1"/>
-              <a:t>pit</a:t>
-            </a:r>
-            <a:r>
-              <a:rPr lang="de-DE" dirty="0"/>
-              <a:t> </a:t>
-            </a:r>
-            <a:r>
-              <a:rPr lang="de-DE" dirty="0" err="1"/>
-              <a:t>stops</a:t>
+              <a:t>Sprints, Lap Times, Qualifying, Pit Stops</a:t>
             </a:r>
             <a:endParaRPr dirty="0"/>
           </a:p>
@@ -6432,28 +6438,221 @@
                             </p:stCondLst>
                             <p:childTnLst>
                               <p:par>
-                                <p:cTn id="5" presetID="10" presetClass="exit" presetSubtype="0" repeatCount="0" fill="hold" nodeType="clickEffect">
+                                <p:cTn id="5" presetID="1" presetClass="entr" presetSubtype="0" fill="hold" grpId="0" nodeType="clickEffect">
                                   <p:stCondLst>
                                     <p:cond delay="0"/>
                                   </p:stCondLst>
                                   <p:childTnLst>
-                                    <p:animEffect transition="out" filter="fade">
+                                    <p:set>
                                       <p:cBhvr>
-                                        <p:cTn id="6" dur="2000"/>
+                                        <p:cTn id="6" dur="1" fill="hold">
+                                          <p:stCondLst>
+                                            <p:cond delay="0"/>
+                                          </p:stCondLst>
+                                        </p:cTn>
+                                        <p:tgtEl>
+                                          <p:spTgt spid="143"/>
+                                        </p:tgtEl>
+                                        <p:attrNameLst>
+                                          <p:attrName>style.visibility</p:attrName>
+                                        </p:attrNameLst>
+                                      </p:cBhvr>
+                                      <p:to>
+                                        <p:strVal val="visible"/>
+                                      </p:to>
+                                    </p:set>
+                                  </p:childTnLst>
+                                </p:cTn>
+                              </p:par>
+                              <p:par>
+                                <p:cTn id="7" presetID="1" presetClass="entr" presetSubtype="0" fill="hold" nodeType="withEffect">
+                                  <p:stCondLst>
+                                    <p:cond delay="0"/>
+                                  </p:stCondLst>
+                                  <p:childTnLst>
+                                    <p:set>
+                                      <p:cBhvr>
+                                        <p:cTn id="8" dur="1" fill="hold">
+                                          <p:stCondLst>
+                                            <p:cond delay="0"/>
+                                          </p:stCondLst>
+                                        </p:cTn>
                                         <p:tgtEl>
                                           <p:spTgt spid="143">
                                             <p:txEl>
-                                              <p:pRg st="4" end="4"/>
+                                              <p:pRg st="0" end="0"/>
                                             </p:txEl>
                                           </p:spTgt>
                                         </p:tgtEl>
+                                        <p:attrNameLst>
+                                          <p:attrName>style.visibility</p:attrName>
+                                        </p:attrNameLst>
                                       </p:cBhvr>
-                                    </p:animEffect>
+                                      <p:to>
+                                        <p:strVal val="visible"/>
+                                      </p:to>
+                                    </p:set>
+                                  </p:childTnLst>
+                                </p:cTn>
+                              </p:par>
+                              <p:par>
+                                <p:cTn id="9" presetID="1" presetClass="entr" presetSubtype="0" fill="hold" nodeType="withEffect">
+                                  <p:stCondLst>
+                                    <p:cond delay="0"/>
+                                  </p:stCondLst>
+                                  <p:childTnLst>
                                     <p:set>
                                       <p:cBhvr>
-                                        <p:cTn id="7" dur="1" fill="hold">
+                                        <p:cTn id="10" dur="1" fill="hold">
                                           <p:stCondLst>
-                                            <p:cond delay="1999"/>
+                                            <p:cond delay="0"/>
+                                          </p:stCondLst>
+                                        </p:cTn>
+                                        <p:tgtEl>
+                                          <p:spTgt spid="143">
+                                            <p:txEl>
+                                              <p:pRg st="1" end="1"/>
+                                            </p:txEl>
+                                          </p:spTgt>
+                                        </p:tgtEl>
+                                        <p:attrNameLst>
+                                          <p:attrName>style.visibility</p:attrName>
+                                        </p:attrNameLst>
+                                      </p:cBhvr>
+                                      <p:to>
+                                        <p:strVal val="visible"/>
+                                      </p:to>
+                                    </p:set>
+                                  </p:childTnLst>
+                                </p:cTn>
+                              </p:par>
+                            </p:childTnLst>
+                          </p:cTn>
+                        </p:par>
+                      </p:childTnLst>
+                    </p:cTn>
+                  </p:par>
+                  <p:par>
+                    <p:cTn id="11" fill="hold">
+                      <p:stCondLst>
+                        <p:cond delay="indefinite"/>
+                      </p:stCondLst>
+                      <p:childTnLst>
+                        <p:par>
+                          <p:cTn id="12" fill="hold">
+                            <p:stCondLst>
+                              <p:cond delay="0"/>
+                            </p:stCondLst>
+                            <p:childTnLst>
+                              <p:par>
+                                <p:cTn id="13" presetID="1" presetClass="entr" presetSubtype="0" fill="hold" nodeType="clickEffect">
+                                  <p:stCondLst>
+                                    <p:cond delay="0"/>
+                                  </p:stCondLst>
+                                  <p:childTnLst>
+                                    <p:set>
+                                      <p:cBhvr>
+                                        <p:cTn id="14" dur="1" fill="hold">
+                                          <p:stCondLst>
+                                            <p:cond delay="0"/>
+                                          </p:stCondLst>
+                                        </p:cTn>
+                                        <p:tgtEl>
+                                          <p:spTgt spid="143">
+                                            <p:txEl>
+                                              <p:pRg st="2" end="2"/>
+                                            </p:txEl>
+                                          </p:spTgt>
+                                        </p:tgtEl>
+                                        <p:attrNameLst>
+                                          <p:attrName>style.visibility</p:attrName>
+                                        </p:attrNameLst>
+                                      </p:cBhvr>
+                                      <p:to>
+                                        <p:strVal val="visible"/>
+                                      </p:to>
+                                    </p:set>
+                                  </p:childTnLst>
+                                </p:cTn>
+                              </p:par>
+                            </p:childTnLst>
+                          </p:cTn>
+                        </p:par>
+                      </p:childTnLst>
+                    </p:cTn>
+                  </p:par>
+                  <p:par>
+                    <p:cTn id="15" fill="hold">
+                      <p:stCondLst>
+                        <p:cond delay="indefinite"/>
+                      </p:stCondLst>
+                      <p:childTnLst>
+                        <p:par>
+                          <p:cTn id="16" fill="hold">
+                            <p:stCondLst>
+                              <p:cond delay="0"/>
+                            </p:stCondLst>
+                            <p:childTnLst>
+                              <p:par>
+                                <p:cTn id="17" presetID="1" presetClass="entr" presetSubtype="0" fill="hold" nodeType="clickEffect">
+                                  <p:stCondLst>
+                                    <p:cond delay="0"/>
+                                  </p:stCondLst>
+                                  <p:childTnLst>
+                                    <p:set>
+                                      <p:cBhvr>
+                                        <p:cTn id="18" dur="1" fill="hold">
+                                          <p:stCondLst>
+                                            <p:cond delay="0"/>
+                                          </p:stCondLst>
+                                        </p:cTn>
+                                        <p:tgtEl>
+                                          <p:spTgt spid="143">
+                                            <p:txEl>
+                                              <p:pRg st="3" end="3"/>
+                                            </p:txEl>
+                                          </p:spTgt>
+                                        </p:tgtEl>
+                                        <p:attrNameLst>
+                                          <p:attrName>style.visibility</p:attrName>
+                                        </p:attrNameLst>
+                                      </p:cBhvr>
+                                      <p:to>
+                                        <p:strVal val="visible"/>
+                                      </p:to>
+                                    </p:set>
+                                  </p:childTnLst>
+                                </p:cTn>
+                              </p:par>
+                            </p:childTnLst>
+                          </p:cTn>
+                        </p:par>
+                      </p:childTnLst>
+                    </p:cTn>
+                  </p:par>
+                  <p:par>
+                    <p:cTn id="19" fill="hold">
+                      <p:stCondLst>
+                        <p:cond delay="indefinite"/>
+                      </p:stCondLst>
+                      <p:childTnLst>
+                        <p:par>
+                          <p:cTn id="20" fill="hold">
+                            <p:stCondLst>
+                              <p:cond delay="0"/>
+                            </p:stCondLst>
+                            <p:childTnLst>
+                              <p:par>
+                                <p:cTn id="21" presetID="1" presetClass="entr" presetSubtype="0" fill="hold" nodeType="clickEffect">
+                                  <p:stCondLst>
+                                    <p:cond delay="0"/>
+                                  </p:stCondLst>
+                                  <p:childTnLst>
+                                    <p:set>
+                                      <p:cBhvr>
+                                        <p:cTn id="22" dur="1" fill="hold">
+                                          <p:stCondLst>
+                                            <p:cond delay="0"/>
                                           </p:stCondLst>
                                         </p:cTn>
                                         <p:tgtEl>
@@ -6468,7 +6667,56 @@
                                         </p:attrNameLst>
                                       </p:cBhvr>
                                       <p:to>
-                                        <p:strVal val="hidden"/>
+                                        <p:strVal val="visible"/>
+                                      </p:to>
+                                    </p:set>
+                                  </p:childTnLst>
+                                </p:cTn>
+                              </p:par>
+                            </p:childTnLst>
+                          </p:cTn>
+                        </p:par>
+                      </p:childTnLst>
+                    </p:cTn>
+                  </p:par>
+                  <p:par>
+                    <p:cTn id="23" fill="hold">
+                      <p:stCondLst>
+                        <p:cond delay="indefinite"/>
+                      </p:stCondLst>
+                      <p:childTnLst>
+                        <p:par>
+                          <p:cTn id="24" fill="hold">
+                            <p:stCondLst>
+                              <p:cond delay="0"/>
+                            </p:stCondLst>
+                            <p:childTnLst>
+                              <p:par>
+                                <p:cTn id="25" presetID="1" presetClass="entr" presetSubtype="0" fill="hold" nodeType="clickEffect">
+                                  <p:stCondLst>
+                                    <p:cond delay="0"/>
+                                  </p:stCondLst>
+                                  <p:childTnLst>
+                                    <p:set>
+                                      <p:cBhvr>
+                                        <p:cTn id="26" dur="1" fill="hold">
+                                          <p:stCondLst>
+                                            <p:cond delay="0"/>
+                                          </p:stCondLst>
+                                        </p:cTn>
+                                        <p:tgtEl>
+                                          <p:spTgt spid="143">
+                                            <p:txEl>
+                                              <p:pRg st="5" end="5"/>
+                                            </p:txEl>
+                                          </p:spTgt>
+                                        </p:tgtEl>
+                                        <p:attrNameLst>
+                                          <p:attrName>style.visibility</p:attrName>
+                                        </p:attrNameLst>
+                                      </p:cBhvr>
+                                      <p:to>
+                                        <p:strVal val="visible"/>
                                       </p:to>
                                     </p:set>
                                   </p:childTnLst>
@@ -6501,6 +6749,9 @@
         </p:cTn>
       </p:par>
     </p:tnLst>
+    <p:bldLst>
+      <p:bldP spid="143" grpId="0" uiExpand="1" animBg="1"/>
+    </p:bldLst>
   </p:timing>
 </p:sld>
 </file>
@@ -7890,8 +8141,8 @@
         </p:nvSpPr>
         <p:spPr>
           <a:xfrm>
-            <a:off x="4510087" y="6858000"/>
-            <a:ext cx="16563976" cy="1512912"/>
+            <a:off x="2961254" y="6706152"/>
+            <a:ext cx="18461492" cy="1512912"/>
           </a:xfrm>
           <a:effectLst>
             <a:reflection stA="45000" endPos="0" dist="50800" dir="5400000" sy="-100000" algn="bl" rotWithShape="0"/>
@@ -7899,11 +8150,11 @@
         </p:spPr>
         <p:txBody>
           <a:bodyPr>
-            <a:normAutofit/>
+            <a:normAutofit fontScale="92500"/>
           </a:bodyPr>
           <a:lstStyle/>
           <a:p>
-            <a:pPr marL="0" indent="0">
+            <a:pPr marL="0" indent="0" algn="ctr">
               <a:buNone/>
             </a:pPr>
             <a:r>
@@ -7912,87 +8163,7 @@
                   <a:srgbClr val="D93E2F"/>
                 </a:solidFill>
               </a:rPr>
-              <a:t> Seasons </a:t>
-            </a:r>
-            <a:r>
-              <a:rPr lang="de-DE" sz="6000" dirty="0" err="1">
-                <a:solidFill>
-                  <a:srgbClr val="D93E2F"/>
-                </a:solidFill>
-              </a:rPr>
-              <a:t>with</a:t>
-            </a:r>
-            <a:r>
-              <a:rPr lang="de-DE" sz="6000" dirty="0">
-                <a:solidFill>
-                  <a:srgbClr val="D93E2F"/>
-                </a:solidFill>
-              </a:rPr>
-              <a:t> </a:t>
-            </a:r>
-            <a:r>
-              <a:rPr lang="de-DE" sz="6000" dirty="0" err="1">
-                <a:solidFill>
-                  <a:srgbClr val="D93E2F"/>
-                </a:solidFill>
-              </a:rPr>
-              <a:t>the</a:t>
-            </a:r>
-            <a:r>
-              <a:rPr lang="de-DE" sz="6000" dirty="0">
-                <a:solidFill>
-                  <a:srgbClr val="D93E2F"/>
-                </a:solidFill>
-              </a:rPr>
-              <a:t> </a:t>
-            </a:r>
-            <a:r>
-              <a:rPr lang="de-DE" sz="6000" dirty="0" err="1">
-                <a:solidFill>
-                  <a:srgbClr val="D93E2F"/>
-                </a:solidFill>
-              </a:rPr>
-              <a:t>most</a:t>
-            </a:r>
-            <a:r>
-              <a:rPr lang="de-DE" sz="6000" dirty="0">
-                <a:solidFill>
-                  <a:srgbClr val="D93E2F"/>
-                </a:solidFill>
-              </a:rPr>
-              <a:t> </a:t>
-            </a:r>
-            <a:r>
-              <a:rPr lang="de-DE" sz="6000" dirty="0" err="1">
-                <a:solidFill>
-                  <a:srgbClr val="D93E2F"/>
-                </a:solidFill>
-              </a:rPr>
-              <a:t>collisions</a:t>
-            </a:r>
-            <a:r>
-              <a:rPr lang="de-DE" sz="6000" dirty="0">
-                <a:solidFill>
-                  <a:srgbClr val="D93E2F"/>
-                </a:solidFill>
-              </a:rPr>
-              <a:t> </a:t>
-            </a:r>
-            <a:r>
-              <a:rPr lang="de-DE" sz="6000" dirty="0" err="1">
-                <a:solidFill>
-                  <a:srgbClr val="D93E2F"/>
-                </a:solidFill>
-              </a:rPr>
-              <a:t>over</a:t>
-            </a:r>
-            <a:r>
-              <a:rPr lang="de-DE" sz="6000" dirty="0">
-                <a:solidFill>
-                  <a:srgbClr val="D93E2F"/>
-                </a:solidFill>
-              </a:rPr>
-              <a:t> 500m</a:t>
+              <a:t> Seasons with the most collisions at an altitude over 500m</a:t>
             </a:r>
           </a:p>
         </p:txBody>
@@ -8060,10 +8231,19 @@
               <a:tabLst/>
             </a:pPr>
             <a:r>
+              <a:rPr lang="en-IE" b="1" dirty="0">
+                <a:solidFill>
+                  <a:srgbClr val="00B050"/>
+                </a:solidFill>
+                <a:latin typeface="Consolas" panose="020B0609020204030204" pitchFamily="49" charset="0"/>
+              </a:rPr>
+              <a:t>SELECT</a:t>
+            </a:r>
+            <a:r>
               <a:rPr lang="en-IE" dirty="0">
                 <a:latin typeface="Consolas" panose="020B0609020204030204" pitchFamily="49" charset="0"/>
               </a:rPr>
-              <a:t>SELECT </a:t>
+              <a:t> </a:t>
             </a:r>
             <a:r>
               <a:rPr lang="en-IE" dirty="0" err="1">
@@ -8075,7 +8255,37 @@
               <a:rPr lang="en-IE" dirty="0">
                 <a:latin typeface="Consolas" panose="020B0609020204030204" pitchFamily="49" charset="0"/>
               </a:rPr>
-              <a:t>, COUNT(*) FROM races</a:t>
+              <a:t>, </a:t>
+            </a:r>
+            <a:r>
+              <a:rPr lang="en-IE" b="1" dirty="0">
+                <a:solidFill>
+                  <a:srgbClr val="00B050"/>
+                </a:solidFill>
+                <a:latin typeface="Consolas" panose="020B0609020204030204" pitchFamily="49" charset="0"/>
+              </a:rPr>
+              <a:t>COUNT</a:t>
+            </a:r>
+            <a:r>
+              <a:rPr lang="en-IE" dirty="0">
+                <a:latin typeface="Consolas" panose="020B0609020204030204" pitchFamily="49" charset="0"/>
+              </a:rPr>
+              <a:t>(*) </a:t>
+            </a:r>
+            <a:r>
+              <a:rPr lang="en-IE" b="1" dirty="0">
+                <a:solidFill>
+                  <a:srgbClr val="00B050"/>
+                </a:solidFill>
+                <a:latin typeface="Consolas" panose="020B0609020204030204" pitchFamily="49" charset="0"/>
+              </a:rPr>
+              <a:t>FROM</a:t>
+            </a:r>
+            <a:r>
+              <a:rPr lang="en-IE" dirty="0">
+                <a:latin typeface="Consolas" panose="020B0609020204030204" pitchFamily="49" charset="0"/>
+              </a:rPr>
+              <a:t> races</a:t>
             </a:r>
           </a:p>
           <a:p>
@@ -8095,6 +8305,21 @@
               <a:buNone/>
               <a:tabLst/>
             </a:pPr>
+            <a:r>
+              <a:rPr kumimoji="0" lang="en-IE" sz="3200" b="1" i="0" u="none" strike="noStrike" cap="none" spc="0" normalizeH="0" baseline="0" dirty="0">
+                <a:ln>
+                  <a:noFill/>
+                </a:ln>
+                <a:solidFill>
+                  <a:srgbClr val="00B050"/>
+                </a:solidFill>
+                <a:effectLst/>
+                <a:uFillTx/>
+                <a:latin typeface="Consolas" panose="020B0609020204030204" pitchFamily="49" charset="0"/>
+                <a:sym typeface="Palatino"/>
+              </a:rPr>
+              <a:t>INNER JOIN</a:t>
+            </a:r>
             <a:r>
               <a:rPr kumimoji="0" lang="en-IE" sz="3200" b="0" i="0" u="none" strike="noStrike" cap="none" spc="0" normalizeH="0" baseline="0" dirty="0">
                 <a:ln>
@@ -8108,7 +8333,7 @@
                 <a:latin typeface="Consolas" panose="020B0609020204030204" pitchFamily="49" charset="0"/>
                 <a:sym typeface="Palatino"/>
               </a:rPr>
-              <a:t>INNER JOIN circuits</a:t>
+              <a:t> circuits</a:t>
             </a:r>
           </a:p>
           <a:p>
@@ -8132,7 +8357,22 @@
               <a:rPr lang="en-IE" dirty="0">
                 <a:latin typeface="Consolas" panose="020B0609020204030204" pitchFamily="49" charset="0"/>
               </a:rPr>
-              <a:t>	ON </a:t>
+              <a:t>	</a:t>
+            </a:r>
+            <a:r>
+              <a:rPr lang="en-IE" b="1" dirty="0">
+                <a:solidFill>
+                  <a:srgbClr val="00B050"/>
+                </a:solidFill>
+                <a:latin typeface="Consolas" panose="020B0609020204030204" pitchFamily="49" charset="0"/>
+              </a:rPr>
+              <a:t>ON</a:t>
+            </a:r>
+            <a:r>
+              <a:rPr lang="en-IE" dirty="0">
+                <a:latin typeface="Consolas" panose="020B0609020204030204" pitchFamily="49" charset="0"/>
+              </a:rPr>
+              <a:t> </a:t>
             </a:r>
             <a:r>
               <a:rPr lang="en-IE" dirty="0" err="1">
@@ -8164,6 +8404,21 @@
               <a:buNone/>
               <a:tabLst/>
             </a:pPr>
+            <a:r>
+              <a:rPr kumimoji="0" lang="en-IE" sz="3200" b="1" i="0" u="none" strike="noStrike" cap="none" spc="0" normalizeH="0" baseline="0" dirty="0">
+                <a:ln>
+                  <a:noFill/>
+                </a:ln>
+                <a:solidFill>
+                  <a:srgbClr val="00B050"/>
+                </a:solidFill>
+                <a:effectLst/>
+                <a:uFillTx/>
+                <a:latin typeface="Consolas" panose="020B0609020204030204" pitchFamily="49" charset="0"/>
+                <a:sym typeface="Palatino"/>
+              </a:rPr>
+              <a:t>INNER JOIN </a:t>
+            </a:r>
             <a:r>
               <a:rPr kumimoji="0" lang="en-IE" sz="3200" b="0" i="0" u="none" strike="noStrike" cap="none" spc="0" normalizeH="0" baseline="0" dirty="0">
                 <a:ln>
@@ -8177,7 +8432,7 @@
                 <a:latin typeface="Consolas" panose="020B0609020204030204" pitchFamily="49" charset="0"/>
                 <a:sym typeface="Palatino"/>
               </a:rPr>
-              <a:t>INNER JOIN resul</a:t>
+              <a:t>resul</a:t>
             </a:r>
             <a:r>
               <a:rPr lang="en-IE" dirty="0">
@@ -8216,7 +8471,37 @@
                 <a:latin typeface="Consolas" panose="020B0609020204030204" pitchFamily="49" charset="0"/>
                 <a:sym typeface="Palatino"/>
               </a:rPr>
-              <a:t>	ON </a:t>
+              <a:t>	</a:t>
+            </a:r>
+            <a:r>
+              <a:rPr kumimoji="0" lang="en-IE" sz="3200" b="1" i="0" u="none" strike="noStrike" cap="none" spc="0" normalizeH="0" baseline="0" dirty="0">
+                <a:ln>
+                  <a:noFill/>
+                </a:ln>
+                <a:solidFill>
+                  <a:srgbClr val="00B050"/>
+                </a:solidFill>
+                <a:effectLst/>
+                <a:uFillTx/>
+                <a:latin typeface="Consolas" panose="020B0609020204030204" pitchFamily="49" charset="0"/>
+                <a:sym typeface="Palatino"/>
+              </a:rPr>
+              <a:t>ON</a:t>
+            </a:r>
+            <a:r>
+              <a:rPr kumimoji="0" lang="en-IE" sz="3200" b="0" i="0" u="none" strike="noStrike" cap="none" spc="0" normalizeH="0" baseline="0" dirty="0">
+                <a:ln>
+                  <a:noFill/>
+                </a:ln>
+                <a:solidFill>
+                  <a:srgbClr val="414141"/>
+                </a:solidFill>
+                <a:effectLst/>
+                <a:uFillTx/>
+                <a:latin typeface="Consolas" panose="020B0609020204030204" pitchFamily="49" charset="0"/>
+                <a:sym typeface="Palatino"/>
+              </a:rPr>
+              <a:t> </a:t>
             </a:r>
             <a:r>
               <a:rPr kumimoji="0" lang="en-IE" sz="3200" b="0" i="0" u="none" strike="noStrike" cap="none" spc="0" normalizeH="0" baseline="0" dirty="0" err="1">
@@ -8267,10 +8552,19 @@
               <a:tabLst/>
             </a:pPr>
             <a:r>
+              <a:rPr lang="en-IE" b="1" dirty="0">
+                <a:solidFill>
+                  <a:srgbClr val="00B050"/>
+                </a:solidFill>
+                <a:latin typeface="Consolas" panose="020B0609020204030204" pitchFamily="49" charset="0"/>
+              </a:rPr>
+              <a:t>WHERE</a:t>
+            </a:r>
+            <a:r>
               <a:rPr lang="en-IE" dirty="0">
                 <a:latin typeface="Consolas" panose="020B0609020204030204" pitchFamily="49" charset="0"/>
               </a:rPr>
-              <a:t>WHERE </a:t>
+              <a:t> </a:t>
             </a:r>
             <a:r>
               <a:rPr lang="en-IE" dirty="0" err="1">
@@ -8282,7 +8576,22 @@
               <a:rPr lang="en-IE" dirty="0">
                 <a:latin typeface="Consolas" panose="020B0609020204030204" pitchFamily="49" charset="0"/>
               </a:rPr>
-              <a:t> = ‘Collision’ AND </a:t>
+              <a:t> = ‘Collision’ </a:t>
+            </a:r>
+            <a:r>
+              <a:rPr lang="en-IE" b="1" dirty="0">
+                <a:solidFill>
+                  <a:srgbClr val="00B050"/>
+                </a:solidFill>
+                <a:latin typeface="Consolas" panose="020B0609020204030204" pitchFamily="49" charset="0"/>
+              </a:rPr>
+              <a:t>AND</a:t>
+            </a:r>
+            <a:r>
+              <a:rPr lang="en-IE" dirty="0">
+                <a:latin typeface="Consolas" panose="020B0609020204030204" pitchFamily="49" charset="0"/>
+              </a:rPr>
+              <a:t> </a:t>
             </a:r>
             <a:r>
               <a:rPr lang="en-IE" dirty="0" err="1">
@@ -8315,12 +8624,12 @@
               <a:tabLst/>
             </a:pPr>
             <a:r>
-              <a:rPr kumimoji="0" lang="en-IE" sz="3200" b="0" i="0" u="none" strike="noStrike" cap="none" spc="0" normalizeH="0" baseline="0" dirty="0">
+              <a:rPr kumimoji="0" lang="en-IE" sz="3200" b="1" i="0" u="none" strike="noStrike" cap="none" spc="0" normalizeH="0" baseline="0" dirty="0">
                 <a:ln>
                   <a:noFill/>
                 </a:ln>
                 <a:solidFill>
-                  <a:srgbClr val="414141"/>
+                  <a:srgbClr val="00B050"/>
                 </a:solidFill>
                 <a:effectLst/>
                 <a:uFillTx/>
@@ -8375,17 +8684,35 @@
               <a:tabLst/>
             </a:pPr>
             <a:r>
+              <a:rPr lang="en-IE" b="1" dirty="0">
+                <a:solidFill>
+                  <a:srgbClr val="00B050"/>
+                </a:solidFill>
+                <a:latin typeface="Consolas" panose="020B0609020204030204" pitchFamily="49" charset="0"/>
+              </a:rPr>
+              <a:t>ORDER BY </a:t>
+            </a:r>
+            <a:r>
               <a:rPr lang="en-IE" dirty="0">
                 <a:latin typeface="Consolas" panose="020B0609020204030204" pitchFamily="49" charset="0"/>
               </a:rPr>
-              <a:t>ORDER BY count DESC</a:t>
-            </a:r>
-            <a:endParaRPr kumimoji="0" lang="en-IE" sz="3200" b="0" i="0" u="none" strike="noStrike" cap="none" spc="0" normalizeH="0" baseline="0" dirty="0">
+              <a:t>count </a:t>
+            </a:r>
+            <a:r>
+              <a:rPr lang="en-IE" b="1" dirty="0">
+                <a:solidFill>
+                  <a:srgbClr val="00B050"/>
+                </a:solidFill>
+                <a:latin typeface="Consolas" panose="020B0609020204030204" pitchFamily="49" charset="0"/>
+              </a:rPr>
+              <a:t>DESC</a:t>
+            </a:r>
+            <a:endParaRPr kumimoji="0" lang="en-IE" sz="3200" b="1" i="0" u="none" strike="noStrike" cap="none" spc="0" normalizeH="0" baseline="0" dirty="0">
               <a:ln>
                 <a:noFill/>
               </a:ln>
               <a:solidFill>
-                <a:srgbClr val="414141"/>
+                <a:srgbClr val="00B050"/>
               </a:solidFill>
               <a:effectLst/>
               <a:uFillTx/>
@@ -8427,7 +8754,7 @@
                                     <p:cond delay="0"/>
                                   </p:stCondLst>
                                   <p:childTnLst>
-                                    <p:animMotion origin="layout" path="M -0.02578 1.66667E-6 L -0.20306 -0.2632 " pathEditMode="relative" rAng="0" ptsTypes="AA">
+                                    <p:animMotion origin="layout" path="M -0.02578 -1.48148E-6 L -0.20306 -0.26319 " pathEditMode="relative" rAng="0" ptsTypes="AA">
                                       <p:cBhvr>
                                         <p:cTn id="6" dur="2000" fill="hold"/>
                                         <p:tgtEl>
@@ -8469,7 +8796,7 @@
                                     <p:cond delay="0"/>
                                   </p:stCondLst>
                                   <p:childTnLst>
-                                    <p:animMotion origin="layout" path="M -0.02578 1.66667E-6 L -0.20306 -0.2632 " pathEditMode="relative" rAng="0" ptsTypes="AA">
+                                    <p:animMotion origin="layout" path="M -0.02579 -1.48148E-6 L -0.20306 -0.26319 " pathEditMode="relative" rAng="0" ptsTypes="AA">
                                       <p:cBhvr>
                                         <p:cTn id="10" dur="2000" fill="hold"/>
                                         <p:tgtEl>

--- a/presentation DBM1.pptx
+++ b/presentation DBM1.pptx
@@ -861,7 +861,7 @@
           <a:lstStyle/>
           <a:p>
             <a:fld id="{86CB4B4D-7CA3-9044-876B-883B54F8677D}" type="slidenum">
-              <a:t>‹#›</a:t>
+              <a:t>‹Nr.›</a:t>
             </a:fld>
             <a:endParaRPr/>
           </a:p>
@@ -996,7 +996,7 @@
           <a:lstStyle/>
           <a:p>
             <a:fld id="{86CB4B4D-7CA3-9044-876B-883B54F8677D}" type="slidenum">
-              <a:t>‹#›</a:t>
+              <a:t>‹Nr.›</a:t>
             </a:fld>
             <a:endParaRPr/>
           </a:p>
@@ -1077,7 +1077,7 @@
           <a:lstStyle/>
           <a:p>
             <a:fld id="{86CB4B4D-7CA3-9044-876B-883B54F8677D}" type="slidenum">
-              <a:t>‹#›</a:t>
+              <a:t>‹Nr.›</a:t>
             </a:fld>
             <a:endParaRPr/>
           </a:p>
@@ -1129,7 +1129,7 @@
           <a:lstStyle/>
           <a:p>
             <a:fld id="{86CB4B4D-7CA3-9044-876B-883B54F8677D}" type="slidenum">
-              <a:t>‹#›</a:t>
+              <a:t>‹Nr.›</a:t>
             </a:fld>
             <a:endParaRPr/>
           </a:p>
@@ -1561,7 +1561,7 @@
           <a:lstStyle/>
           <a:p>
             <a:fld id="{86CB4B4D-7CA3-9044-876B-883B54F8677D}" type="slidenum">
-              <a:t>‹#›</a:t>
+              <a:t>‹Nr.›</a:t>
             </a:fld>
             <a:endParaRPr/>
           </a:p>
@@ -1642,7 +1642,7 @@
           <a:lstStyle/>
           <a:p>
             <a:fld id="{86CB4B4D-7CA3-9044-876B-883B54F8677D}" type="slidenum">
-              <a:t>‹#›</a:t>
+              <a:t>‹Nr.›</a:t>
             </a:fld>
             <a:endParaRPr/>
           </a:p>
@@ -1992,7 +1992,7 @@
           <a:lstStyle/>
           <a:p>
             <a:fld id="{86CB4B4D-7CA3-9044-876B-883B54F8677D}" type="slidenum">
-              <a:t>‹#›</a:t>
+              <a:t>‹Nr.›</a:t>
             </a:fld>
             <a:endParaRPr/>
           </a:p>
@@ -2069,7 +2069,7 @@
           <a:lstStyle/>
           <a:p>
             <a:fld id="{86CB4B4D-7CA3-9044-876B-883B54F8677D}" type="slidenum">
-              <a:t>‹#›</a:t>
+              <a:t>‹Nr.›</a:t>
             </a:fld>
             <a:endParaRPr/>
           </a:p>
@@ -4655,7 +4655,7 @@
           <a:lstStyle/>
           <a:p>
             <a:fld id="{86CB4B4D-7CA3-9044-876B-883B54F8677D}" type="slidenum">
-              <a:t>‹#›</a:t>
+              <a:t>‹Nr.›</a:t>
             </a:fld>
             <a:endParaRPr/>
           </a:p>
@@ -4803,7 +4803,7 @@
           <a:lstStyle/>
           <a:p>
             <a:fld id="{86CB4B4D-7CA3-9044-876B-883B54F8677D}" type="slidenum">
-              <a:t>‹#›</a:t>
+              <a:t>‹Nr.›</a:t>
             </a:fld>
             <a:endParaRPr/>
           </a:p>
@@ -4954,7 +4954,7 @@
           </a:ln>
           <a:extLst>
             <a:ext uri="{C572A759-6A51-4108-AA02-DFA0A04FC94B}">
-              <ma14:wrappingTextBoxFlag xmlns="" xmlns:m="http://schemas.openxmlformats.org/officeDocument/2006/math" xmlns:a14="http://schemas.microsoft.com/office/drawing/2010/main" xmlns:ma14="http://schemas.microsoft.com/office/mac/drawingml/2011/main" val="1"/>
+              <ma14:wrappingTextBoxFlag xmlns:ma14="http://schemas.microsoft.com/office/mac/drawingml/2011/main" xmlns:a14="http://schemas.microsoft.com/office/drawing/2010/main" xmlns:m="http://schemas.openxmlformats.org/officeDocument/2006/math" xmlns="" val="1"/>
             </a:ext>
           </a:extLst>
         </p:spPr>
@@ -4993,7 +4993,7 @@
           </a:ln>
           <a:extLst>
             <a:ext uri="{C572A759-6A51-4108-AA02-DFA0A04FC94B}">
-              <ma14:wrappingTextBoxFlag xmlns="" xmlns:m="http://schemas.openxmlformats.org/officeDocument/2006/math" xmlns:a14="http://schemas.microsoft.com/office/drawing/2010/main" xmlns:ma14="http://schemas.microsoft.com/office/mac/drawingml/2011/main" val="1"/>
+              <ma14:wrappingTextBoxFlag xmlns:ma14="http://schemas.microsoft.com/office/mac/drawingml/2011/main" xmlns:a14="http://schemas.microsoft.com/office/drawing/2010/main" xmlns:m="http://schemas.openxmlformats.org/officeDocument/2006/math" xmlns="" val="1"/>
             </a:ext>
           </a:extLst>
         </p:spPr>
@@ -5070,7 +5070,7 @@
           </a:lstStyle>
           <a:p>
             <a:fld id="{86CB4B4D-7CA3-9044-876B-883B54F8677D}" type="slidenum">
-              <a:t>‹#›</a:t>
+              <a:t>‹Nr.›</a:t>
             </a:fld>
             <a:endParaRPr/>
           </a:p>
@@ -6994,8 +6994,8 @@
           </a:p>
         </p:txBody>
       </p:sp>
-      <mc:AlternateContent xmlns:mc="http://schemas.openxmlformats.org/markup-compatibility/2006" xmlns:a14="http://schemas.microsoft.com/office/drawing/2010/main">
-        <mc:Choice Requires="a14">
+      <mc:AlternateContent xmlns:mc="http://schemas.openxmlformats.org/markup-compatibility/2006">
+        <mc:Choice xmlns:a14="http://schemas.microsoft.com/office/drawing/2010/main" Requires="a14">
           <p:sp>
             <p:nvSpPr>
               <p:cNvPr id="14" name="Textfeld 13">
@@ -7198,6 +7198,22 @@
                       </a:rPr>
                       <m:t>(</m:t>
                     </m:r>
+                    <m:r>
+                      <a:rPr kumimoji="0" lang="de-DE" sz="4400" b="0" i="1" u="none" strike="noStrike" cap="none" spc="0" normalizeH="0" baseline="-25000" smtClean="0">
+                        <a:ln>
+                          <a:noFill/>
+                        </a:ln>
+                        <a:solidFill>
+                          <a:srgbClr val="414141"/>
+                        </a:solidFill>
+                        <a:effectLst/>
+                        <a:uFillTx/>
+                        <a:latin typeface="Cambria Math" panose="02040503050406030204" pitchFamily="18" charset="0"/>
+                        <a:ea typeface="Cambria Math" panose="02040503050406030204" pitchFamily="18" charset="0"/>
+                        <a:sym typeface="Palatino"/>
+                      </a:rPr>
+                      <m:t>𝑠𝑒𝑎𝑠𝑜𝑛</m:t>
+                    </m:r>
                     <m:sSub>
                       <m:sSubPr>
                         <m:ctrlPr>
@@ -7235,38 +7251,6 @@
                         </m:r>
                       </m:e>
                       <m:sub>
-                        <m:r>
-                          <a:rPr kumimoji="0" lang="de-DE" sz="4400" b="0" i="1" u="none" strike="noStrike" cap="none" spc="0" normalizeH="0" baseline="0" smtClean="0">
-                            <a:ln>
-                              <a:noFill/>
-                            </a:ln>
-                            <a:solidFill>
-                              <a:srgbClr val="414141"/>
-                            </a:solidFill>
-                            <a:effectLst/>
-                            <a:uFillTx/>
-                            <a:latin typeface="Cambria Math" panose="02040503050406030204" pitchFamily="18" charset="0"/>
-                            <a:ea typeface="Cambria Math" panose="02040503050406030204" pitchFamily="18" charset="0"/>
-                            <a:sym typeface="Palatino"/>
-                          </a:rPr>
-                          <m:t>𝑠𝑒𝑎𝑠𝑜𝑛</m:t>
-                        </m:r>
-                        <m:r>
-                          <a:rPr kumimoji="0" lang="de-DE" sz="4400" b="0" i="1" u="none" strike="noStrike" cap="none" spc="0" normalizeH="0" baseline="0" smtClean="0">
-                            <a:ln>
-                              <a:noFill/>
-                            </a:ln>
-                            <a:solidFill>
-                              <a:srgbClr val="414141"/>
-                            </a:solidFill>
-                            <a:effectLst/>
-                            <a:uFillTx/>
-                            <a:latin typeface="Cambria Math" panose="02040503050406030204" pitchFamily="18" charset="0"/>
-                            <a:ea typeface="Cambria Math" panose="02040503050406030204" pitchFamily="18" charset="0"/>
-                            <a:sym typeface="Palatino"/>
-                          </a:rPr>
-                          <m:t>,</m:t>
-                        </m:r>
                         <m:r>
                           <a:rPr kumimoji="0" lang="de-DE" sz="4400" b="0" i="1" u="none" strike="noStrike" cap="none" spc="0" normalizeH="0" baseline="0" smtClean="0">
                             <a:ln>
@@ -8073,7 +8057,7 @@
             </p:txBody>
           </p:sp>
         </mc:Choice>
-        <mc:Fallback xmlns="">
+        <mc:Fallback>
           <p:sp>
             <p:nvSpPr>
               <p:cNvPr id="14" name="Textfeld 13">
@@ -8099,7 +8083,7 @@
               <a:blipFill>
                 <a:blip r:embed="rId2"/>
                 <a:stretch>
-                  <a:fillRect/>
+                  <a:fillRect l="-431" r="-62" b="-5579"/>
                 </a:stretch>
               </a:blipFill>
               <a:ln w="12700" cap="flat">
@@ -8113,7 +8097,7 @@
               <a:lstStyle/>
               <a:p>
                 <a:r>
-                  <a:rPr lang="en-IE">
+                  <a:rPr lang="de-DE">
                     <a:noFill/>
                   </a:rPr>
                   <a:t> </a:t>
